--- a/332-비동기 프로그래밍/332-3.fetch.pptx
+++ b/332-비동기 프로그래밍/332-3.fetch.pptx
@@ -15,14 +15,6 @@
     <p:sldId id="23280" r:id="rId9"/>
     <p:sldId id="23274" r:id="rId10"/>
     <p:sldId id="23275" r:id="rId11"/>
-    <p:sldId id="23273" r:id="rId12"/>
-    <p:sldId id="23259" r:id="rId13"/>
-    <p:sldId id="23260" r:id="rId14"/>
-    <p:sldId id="23262" r:id="rId15"/>
-    <p:sldId id="23263" r:id="rId16"/>
-    <p:sldId id="23264" r:id="rId17"/>
-    <p:sldId id="23265" r:id="rId18"/>
-    <p:sldId id="23269" r:id="rId19"/>
   </p:sldIdLst>
   <p:sldSz cx="12192000" cy="6858000"/>
   <p:notesSz cx="6858000" cy="9144000"/>
@@ -276,7 +268,7 @@
           <a:p>
             <a:fld id="{85A45AF6-39E0-49FF-876B-83E823347114}" type="datetimeFigureOut">
               <a:rPr lang="ko-KR" altLang="en-US" smtClean="0"/>
-              <a:t>2023-05-21</a:t>
+              <a:t>2023-05-30</a:t>
             </a:fld>
             <a:endParaRPr lang="ko-KR" altLang="en-US"/>
           </a:p>
@@ -474,7 +466,7 @@
           <a:p>
             <a:fld id="{85A45AF6-39E0-49FF-876B-83E823347114}" type="datetimeFigureOut">
               <a:rPr lang="ko-KR" altLang="en-US" smtClean="0"/>
-              <a:t>2023-05-21</a:t>
+              <a:t>2023-05-30</a:t>
             </a:fld>
             <a:endParaRPr lang="ko-KR" altLang="en-US"/>
           </a:p>
@@ -682,7 +674,7 @@
           <a:p>
             <a:fld id="{85A45AF6-39E0-49FF-876B-83E823347114}" type="datetimeFigureOut">
               <a:rPr lang="ko-KR" altLang="en-US" smtClean="0"/>
-              <a:t>2023-05-21</a:t>
+              <a:t>2023-05-30</a:t>
             </a:fld>
             <a:endParaRPr lang="ko-KR" altLang="en-US"/>
           </a:p>
@@ -880,7 +872,7 @@
           <a:p>
             <a:fld id="{85A45AF6-39E0-49FF-876B-83E823347114}" type="datetimeFigureOut">
               <a:rPr lang="ko-KR" altLang="en-US" smtClean="0"/>
-              <a:t>2023-05-21</a:t>
+              <a:t>2023-05-30</a:t>
             </a:fld>
             <a:endParaRPr lang="ko-KR" altLang="en-US"/>
           </a:p>
@@ -1155,7 +1147,7 @@
           <a:p>
             <a:fld id="{85A45AF6-39E0-49FF-876B-83E823347114}" type="datetimeFigureOut">
               <a:rPr lang="ko-KR" altLang="en-US" smtClean="0"/>
-              <a:t>2023-05-21</a:t>
+              <a:t>2023-05-30</a:t>
             </a:fld>
             <a:endParaRPr lang="ko-KR" altLang="en-US"/>
           </a:p>
@@ -1420,7 +1412,7 @@
           <a:p>
             <a:fld id="{85A45AF6-39E0-49FF-876B-83E823347114}" type="datetimeFigureOut">
               <a:rPr lang="ko-KR" altLang="en-US" smtClean="0"/>
-              <a:t>2023-05-21</a:t>
+              <a:t>2023-05-30</a:t>
             </a:fld>
             <a:endParaRPr lang="ko-KR" altLang="en-US"/>
           </a:p>
@@ -1832,7 +1824,7 @@
           <a:p>
             <a:fld id="{85A45AF6-39E0-49FF-876B-83E823347114}" type="datetimeFigureOut">
               <a:rPr lang="ko-KR" altLang="en-US" smtClean="0"/>
-              <a:t>2023-05-21</a:t>
+              <a:t>2023-05-30</a:t>
             </a:fld>
             <a:endParaRPr lang="ko-KR" altLang="en-US"/>
           </a:p>
@@ -1973,7 +1965,7 @@
           <a:p>
             <a:fld id="{85A45AF6-39E0-49FF-876B-83E823347114}" type="datetimeFigureOut">
               <a:rPr lang="ko-KR" altLang="en-US" smtClean="0"/>
-              <a:t>2023-05-21</a:t>
+              <a:t>2023-05-30</a:t>
             </a:fld>
             <a:endParaRPr lang="ko-KR" altLang="en-US"/>
           </a:p>
@@ -2086,7 +2078,7 @@
           <a:p>
             <a:fld id="{85A45AF6-39E0-49FF-876B-83E823347114}" type="datetimeFigureOut">
               <a:rPr lang="ko-KR" altLang="en-US" smtClean="0"/>
-              <a:t>2023-05-21</a:t>
+              <a:t>2023-05-30</a:t>
             </a:fld>
             <a:endParaRPr lang="ko-KR" altLang="en-US"/>
           </a:p>
@@ -2397,7 +2389,7 @@
           <a:p>
             <a:fld id="{85A45AF6-39E0-49FF-876B-83E823347114}" type="datetimeFigureOut">
               <a:rPr lang="ko-KR" altLang="en-US" smtClean="0"/>
-              <a:t>2023-05-21</a:t>
+              <a:t>2023-05-30</a:t>
             </a:fld>
             <a:endParaRPr lang="ko-KR" altLang="en-US"/>
           </a:p>
@@ -2685,7 +2677,7 @@
           <a:p>
             <a:fld id="{85A45AF6-39E0-49FF-876B-83E823347114}" type="datetimeFigureOut">
               <a:rPr lang="ko-KR" altLang="en-US" smtClean="0"/>
-              <a:t>2023-05-21</a:t>
+              <a:t>2023-05-30</a:t>
             </a:fld>
             <a:endParaRPr lang="ko-KR" altLang="en-US"/>
           </a:p>
@@ -2926,7 +2918,7 @@
           <a:p>
             <a:fld id="{85A45AF6-39E0-49FF-876B-83E823347114}" type="datetimeFigureOut">
               <a:rPr lang="ko-KR" altLang="en-US" smtClean="0"/>
-              <a:t>2023-05-21</a:t>
+              <a:t>2023-05-30</a:t>
             </a:fld>
             <a:endParaRPr lang="ko-KR" altLang="en-US"/>
           </a:p>
@@ -4453,3486 +4445,6 @@
 </p:sld>
 </file>
 
-<file path=ppt/slides/slide11.xml><?xml version="1.0" encoding="utf-8"?>
-<p:sld xmlns:a="http://schemas.openxmlformats.org/drawingml/2006/main" xmlns:r="http://schemas.openxmlformats.org/officeDocument/2006/relationships" xmlns:p="http://schemas.openxmlformats.org/presentationml/2006/main">
-  <p:cSld>
-    <p:spTree>
-      <p:nvGrpSpPr>
-        <p:cNvPr id="1" name=""/>
-        <p:cNvGrpSpPr/>
-        <p:nvPr/>
-      </p:nvGrpSpPr>
-      <p:grpSpPr>
-        <a:xfrm>
-          <a:off x="0" y="0"/>
-          <a:ext cx="0" cy="0"/>
-          <a:chOff x="0" y="0"/>
-          <a:chExt cx="0" cy="0"/>
-        </a:xfrm>
-      </p:grpSpPr>
-      <p:pic>
-        <p:nvPicPr>
-          <p:cNvPr id="7" name="object 5">
-            <a:extLst>
-              <a:ext uri="{FF2B5EF4-FFF2-40B4-BE49-F238E27FC236}">
-                <a16:creationId xmlns:a16="http://schemas.microsoft.com/office/drawing/2014/main" id="{08EB7D1A-6AB4-0964-69E2-DF51DB273634}"/>
-              </a:ext>
-            </a:extLst>
-          </p:cNvPr>
-          <p:cNvPicPr/>
-          <p:nvPr/>
-        </p:nvPicPr>
-        <p:blipFill>
-          <a:blip r:embed="rId2" cstate="print"/>
-          <a:stretch>
-            <a:fillRect/>
-          </a:stretch>
-        </p:blipFill>
-        <p:spPr>
-          <a:xfrm>
-            <a:off x="6884152" y="-162498"/>
-            <a:ext cx="3326971" cy="3226354"/>
-          </a:xfrm>
-          <a:prstGeom prst="rect">
-            <a:avLst/>
-          </a:prstGeom>
-        </p:spPr>
-      </p:pic>
-      <p:grpSp>
-        <p:nvGrpSpPr>
-          <p:cNvPr id="10" name="그룹 9">
-            <a:extLst>
-              <a:ext uri="{FF2B5EF4-FFF2-40B4-BE49-F238E27FC236}">
-                <a16:creationId xmlns:a16="http://schemas.microsoft.com/office/drawing/2014/main" id="{A1F9F778-9271-0AAA-6D4A-F679BA510619}"/>
-              </a:ext>
-            </a:extLst>
-          </p:cNvPr>
-          <p:cNvGrpSpPr/>
-          <p:nvPr/>
-        </p:nvGrpSpPr>
-        <p:grpSpPr>
-          <a:xfrm>
-            <a:off x="0" y="1"/>
-            <a:ext cx="12192000" cy="6857999"/>
-            <a:chOff x="0" y="1"/>
-            <a:chExt cx="12192000" cy="6857999"/>
-          </a:xfrm>
-        </p:grpSpPr>
-        <p:pic>
-          <p:nvPicPr>
-            <p:cNvPr id="5" name="object 3">
-              <a:extLst>
-                <a:ext uri="{FF2B5EF4-FFF2-40B4-BE49-F238E27FC236}">
-                  <a16:creationId xmlns:a16="http://schemas.microsoft.com/office/drawing/2014/main" id="{4849A2E8-A42D-B365-D628-FE6839893C6E}"/>
-                </a:ext>
-              </a:extLst>
-            </p:cNvPr>
-            <p:cNvPicPr/>
-            <p:nvPr/>
-          </p:nvPicPr>
-          <p:blipFill>
-            <a:blip r:embed="rId3" cstate="print"/>
-            <a:stretch>
-              <a:fillRect/>
-            </a:stretch>
-          </p:blipFill>
-          <p:spPr>
-            <a:xfrm>
-              <a:off x="1" y="1"/>
-              <a:ext cx="12191999" cy="6857999"/>
-            </a:xfrm>
-            <a:prstGeom prst="rect">
-              <a:avLst/>
-            </a:prstGeom>
-          </p:spPr>
-        </p:pic>
-        <p:pic>
-          <p:nvPicPr>
-            <p:cNvPr id="6" name="object 4">
-              <a:extLst>
-                <a:ext uri="{FF2B5EF4-FFF2-40B4-BE49-F238E27FC236}">
-                  <a16:creationId xmlns:a16="http://schemas.microsoft.com/office/drawing/2014/main" id="{52735A5E-2991-D17E-A238-4576BB16FC7B}"/>
-                </a:ext>
-              </a:extLst>
-            </p:cNvPr>
-            <p:cNvPicPr/>
-            <p:nvPr/>
-          </p:nvPicPr>
-          <p:blipFill>
-            <a:blip r:embed="rId4" cstate="print"/>
-            <a:stretch>
-              <a:fillRect/>
-            </a:stretch>
-          </p:blipFill>
-          <p:spPr>
-            <a:xfrm>
-              <a:off x="0" y="368071"/>
-              <a:ext cx="6133856" cy="6489928"/>
-            </a:xfrm>
-            <a:prstGeom prst="rect">
-              <a:avLst/>
-            </a:prstGeom>
-          </p:spPr>
-        </p:pic>
-        <p:pic>
-          <p:nvPicPr>
-            <p:cNvPr id="8" name="object 6">
-              <a:extLst>
-                <a:ext uri="{FF2B5EF4-FFF2-40B4-BE49-F238E27FC236}">
-                  <a16:creationId xmlns:a16="http://schemas.microsoft.com/office/drawing/2014/main" id="{E9E42758-3E24-9781-5B74-439188EC25F3}"/>
-                </a:ext>
-              </a:extLst>
-            </p:cNvPr>
-            <p:cNvPicPr/>
-            <p:nvPr/>
-          </p:nvPicPr>
-          <p:blipFill>
-            <a:blip r:embed="rId5" cstate="print"/>
-            <a:stretch>
-              <a:fillRect/>
-            </a:stretch>
-          </p:blipFill>
-          <p:spPr>
-            <a:xfrm>
-              <a:off x="5875265" y="2426778"/>
-              <a:ext cx="4343946" cy="4267298"/>
-            </a:xfrm>
-            <a:prstGeom prst="rect">
-              <a:avLst/>
-            </a:prstGeom>
-          </p:spPr>
-        </p:pic>
-        <p:pic>
-          <p:nvPicPr>
-            <p:cNvPr id="9" name="object 7">
-              <a:extLst>
-                <a:ext uri="{FF2B5EF4-FFF2-40B4-BE49-F238E27FC236}">
-                  <a16:creationId xmlns:a16="http://schemas.microsoft.com/office/drawing/2014/main" id="{DEC5EE95-1E58-98D6-346A-EF8CB15CA7BA}"/>
-                </a:ext>
-              </a:extLst>
-            </p:cNvPr>
-            <p:cNvPicPr/>
-            <p:nvPr/>
-          </p:nvPicPr>
-          <p:blipFill>
-            <a:blip r:embed="rId6" cstate="print"/>
-            <a:stretch>
-              <a:fillRect/>
-            </a:stretch>
-          </p:blipFill>
-          <p:spPr>
-            <a:xfrm>
-              <a:off x="10460736" y="1"/>
-              <a:ext cx="1731264" cy="6857999"/>
-            </a:xfrm>
-            <a:prstGeom prst="rect">
-              <a:avLst/>
-            </a:prstGeom>
-          </p:spPr>
-        </p:pic>
-      </p:grpSp>
-      <p:sp>
-        <p:nvSpPr>
-          <p:cNvPr id="11" name="object 8">
-            <a:extLst>
-              <a:ext uri="{FF2B5EF4-FFF2-40B4-BE49-F238E27FC236}">
-                <a16:creationId xmlns:a16="http://schemas.microsoft.com/office/drawing/2014/main" id="{460AD970-2793-D039-211B-32F499A391BE}"/>
-              </a:ext>
-            </a:extLst>
-          </p:cNvPr>
-          <p:cNvSpPr txBox="1">
-            <a:spLocks noGrp="1"/>
-          </p:cNvSpPr>
-          <p:nvPr>
-            <p:ph type="title"/>
-          </p:nvPr>
-        </p:nvSpPr>
-        <p:spPr>
-          <a:xfrm>
-            <a:off x="311651" y="2571749"/>
-            <a:ext cx="4591623" cy="1590820"/>
-          </a:xfrm>
-          <a:prstGeom prst="rect">
-            <a:avLst/>
-          </a:prstGeom>
-        </p:spPr>
-        <p:txBody>
-          <a:bodyPr vert="horz" wrap="square" lIns="0" tIns="13335" rIns="0" bIns="0" rtlCol="0">
-            <a:spAutoFit/>
-          </a:bodyPr>
-          <a:lstStyle/>
-          <a:p>
-            <a:pPr marL="12700">
-              <a:lnSpc>
-                <a:spcPct val="100000"/>
-              </a:lnSpc>
-              <a:spcBef>
-                <a:spcPts val="105"/>
-              </a:spcBef>
-            </a:pPr>
-            <a:r>
-              <a:rPr sz="7500" spc="-44" baseline="-2222">
-                <a:solidFill>
-                  <a:schemeClr val="bg1"/>
-                </a:solidFill>
-              </a:rPr>
-              <a:t>0</a:t>
-            </a:r>
-            <a:r>
-              <a:rPr lang="en-US" sz="7500" spc="-44" baseline="-2222">
-                <a:solidFill>
-                  <a:schemeClr val="bg1"/>
-                </a:solidFill>
-              </a:rPr>
-              <a:t>3</a:t>
-            </a:r>
-            <a:r>
-              <a:rPr sz="1200" b="0" spc="-35">
-                <a:solidFill>
-                  <a:schemeClr val="bg1"/>
-                </a:solidFill>
-                <a:latin typeface="맑은 고딕"/>
-                <a:cs typeface="맑은 고딕"/>
-              </a:rPr>
-              <a:t>[</a:t>
-            </a:r>
-            <a:r>
-              <a:rPr sz="1200" b="1" spc="-25" dirty="0">
-                <a:solidFill>
-                  <a:schemeClr val="bg1"/>
-                </a:solidFill>
-                <a:latin typeface="맑은 고딕"/>
-                <a:cs typeface="맑은 고딕"/>
-              </a:rPr>
-              <a:t>H</a:t>
-            </a:r>
-            <a:r>
-              <a:rPr sz="1200" b="1" spc="-30" dirty="0">
-                <a:solidFill>
-                  <a:schemeClr val="bg1"/>
-                </a:solidFill>
-                <a:latin typeface="맑은 고딕"/>
-                <a:cs typeface="맑은 고딕"/>
-              </a:rPr>
-              <a:t>T</a:t>
-            </a:r>
-            <a:r>
-              <a:rPr sz="1200" b="1" spc="-35" dirty="0">
-                <a:solidFill>
-                  <a:schemeClr val="bg1"/>
-                </a:solidFill>
-                <a:latin typeface="맑은 고딕"/>
-                <a:cs typeface="맑은 고딕"/>
-              </a:rPr>
-              <a:t>M</a:t>
-            </a:r>
-            <a:r>
-              <a:rPr sz="1200" b="1" spc="-30" dirty="0">
-                <a:solidFill>
-                  <a:schemeClr val="bg1"/>
-                </a:solidFill>
-                <a:latin typeface="맑은 고딕"/>
-                <a:cs typeface="맑은 고딕"/>
-              </a:rPr>
-              <a:t>L</a:t>
-            </a:r>
-            <a:r>
-              <a:rPr sz="1200" b="0" spc="-30" dirty="0">
-                <a:solidFill>
-                  <a:schemeClr val="bg1"/>
-                </a:solidFill>
-                <a:latin typeface="맑은 고딕"/>
-                <a:cs typeface="맑은 고딕"/>
-              </a:rPr>
-              <a:t>+</a:t>
-            </a:r>
-            <a:r>
-              <a:rPr sz="1200" b="1" spc="-25" dirty="0">
-                <a:solidFill>
-                  <a:schemeClr val="bg1"/>
-                </a:solidFill>
-                <a:latin typeface="맑은 고딕"/>
-                <a:cs typeface="맑은 고딕"/>
-              </a:rPr>
-              <a:t>C</a:t>
-            </a:r>
-            <a:r>
-              <a:rPr sz="1200" b="1" spc="-20" dirty="0">
-                <a:solidFill>
-                  <a:schemeClr val="bg1"/>
-                </a:solidFill>
-                <a:latin typeface="맑은 고딕"/>
-                <a:cs typeface="맑은 고딕"/>
-              </a:rPr>
-              <a:t>S</a:t>
-            </a:r>
-            <a:r>
-              <a:rPr sz="1200" b="1" spc="-25" dirty="0">
-                <a:solidFill>
-                  <a:schemeClr val="bg1"/>
-                </a:solidFill>
-                <a:latin typeface="맑은 고딕"/>
-                <a:cs typeface="맑은 고딕"/>
-              </a:rPr>
-              <a:t>S</a:t>
-            </a:r>
-            <a:r>
-              <a:rPr sz="1200" b="0" spc="-25" dirty="0">
-                <a:solidFill>
-                  <a:schemeClr val="bg1"/>
-                </a:solidFill>
-                <a:latin typeface="맑은 고딕"/>
-                <a:cs typeface="맑은 고딕"/>
-              </a:rPr>
-              <a:t>+</a:t>
-            </a:r>
-            <a:r>
-              <a:rPr sz="1200" b="0" spc="295" dirty="0">
-                <a:solidFill>
-                  <a:schemeClr val="bg1"/>
-                </a:solidFill>
-                <a:latin typeface="맑은 고딕"/>
-                <a:cs typeface="맑은 고딕"/>
-              </a:rPr>
-              <a:t> </a:t>
-            </a:r>
-            <a:r>
-              <a:rPr sz="1200" b="1" spc="-10" dirty="0">
-                <a:solidFill>
-                  <a:schemeClr val="bg1"/>
-                </a:solidFill>
-                <a:latin typeface="맑은 고딕"/>
-                <a:cs typeface="맑은 고딕"/>
-              </a:rPr>
-              <a:t>JAVASCRIPT</a:t>
-            </a:r>
-            <a:r>
-              <a:rPr sz="1200" b="0" spc="-10" dirty="0">
-                <a:solidFill>
-                  <a:schemeClr val="bg1"/>
-                </a:solidFill>
-                <a:latin typeface="맑은 고딕"/>
-                <a:cs typeface="맑은 고딕"/>
-              </a:rPr>
-              <a:t>]</a:t>
-            </a:r>
-            <a:endParaRPr lang="ko-KR" altLang="en-US" sz="1200" b="0" spc="-10" dirty="0">
-              <a:solidFill>
-                <a:schemeClr val="bg1"/>
-              </a:solidFill>
-              <a:latin typeface="맑은 고딕"/>
-              <a:cs typeface="맑은 고딕"/>
-            </a:endParaRPr>
-          </a:p>
-          <a:p>
-            <a:pPr marL="12700" marR="5080">
-              <a:lnSpc>
-                <a:spcPct val="100000"/>
-              </a:lnSpc>
-              <a:spcBef>
-                <a:spcPts val="295"/>
-              </a:spcBef>
-            </a:pPr>
-            <a:r>
-              <a:rPr lang="en-US" altLang="ko-KR" sz="5000" dirty="0">
-                <a:solidFill>
-                  <a:schemeClr val="bg1"/>
-                </a:solidFill>
-              </a:rPr>
-              <a:t>fetch</a:t>
-            </a:r>
-            <a:endParaRPr lang="ko-KR" altLang="en-US" sz="5000" dirty="0">
-              <a:solidFill>
-                <a:schemeClr val="bg1"/>
-              </a:solidFill>
-            </a:endParaRPr>
-          </a:p>
-        </p:txBody>
-      </p:sp>
-    </p:spTree>
-    <p:extLst>
-      <p:ext uri="{BB962C8B-B14F-4D97-AF65-F5344CB8AC3E}">
-        <p14:creationId xmlns:p14="http://schemas.microsoft.com/office/powerpoint/2010/main" val="1955045990"/>
-      </p:ext>
-    </p:extLst>
-  </p:cSld>
-  <p:clrMapOvr>
-    <a:masterClrMapping/>
-  </p:clrMapOvr>
-</p:sld>
-</file>
-
-<file path=ppt/slides/slide12.xml><?xml version="1.0" encoding="utf-8"?>
-<p:sld xmlns:a="http://schemas.openxmlformats.org/drawingml/2006/main" xmlns:r="http://schemas.openxmlformats.org/officeDocument/2006/relationships" xmlns:p="http://schemas.openxmlformats.org/presentationml/2006/main">
-  <p:cSld>
-    <p:spTree>
-      <p:nvGrpSpPr>
-        <p:cNvPr id="1" name=""/>
-        <p:cNvGrpSpPr/>
-        <p:nvPr/>
-      </p:nvGrpSpPr>
-      <p:grpSpPr>
-        <a:xfrm>
-          <a:off x="0" y="0"/>
-          <a:ext cx="0" cy="0"/>
-          <a:chOff x="0" y="0"/>
-          <a:chExt cx="0" cy="0"/>
-        </a:xfrm>
-      </p:grpSpPr>
-      <p:sp>
-        <p:nvSpPr>
-          <p:cNvPr id="2" name="제목 1">
-            <a:extLst>
-              <a:ext uri="{FF2B5EF4-FFF2-40B4-BE49-F238E27FC236}">
-                <a16:creationId xmlns:a16="http://schemas.microsoft.com/office/drawing/2014/main" id="{74BB8650-C904-B0D7-7021-D9D6A83681FA}"/>
-              </a:ext>
-            </a:extLst>
-          </p:cNvPr>
-          <p:cNvSpPr>
-            <a:spLocks noGrp="1"/>
-          </p:cNvSpPr>
-          <p:nvPr>
-            <p:ph type="title"/>
-          </p:nvPr>
-        </p:nvSpPr>
-        <p:spPr/>
-        <p:txBody>
-          <a:bodyPr/>
-          <a:lstStyle/>
-          <a:p>
-            <a:r>
-              <a:rPr lang="en-US" altLang="ko-KR" dirty="0"/>
-              <a:t>[</a:t>
-            </a:r>
-            <a:r>
-              <a:rPr lang="ko-KR" altLang="en-US" dirty="0"/>
-              <a:t>실습</a:t>
-            </a:r>
-            <a:r>
-              <a:rPr lang="en-US" altLang="ko-KR" dirty="0"/>
-              <a:t>] </a:t>
-            </a:r>
-            <a:r>
-              <a:rPr lang="ko-KR" altLang="en-US" dirty="0"/>
-              <a:t>서버에서 자료 가져오기</a:t>
-            </a:r>
-          </a:p>
-        </p:txBody>
-      </p:sp>
-      <p:sp>
-        <p:nvSpPr>
-          <p:cNvPr id="5" name="TextBox 4">
-            <a:extLst>
-              <a:ext uri="{FF2B5EF4-FFF2-40B4-BE49-F238E27FC236}">
-                <a16:creationId xmlns:a16="http://schemas.microsoft.com/office/drawing/2014/main" id="{D2A84084-DF04-A79E-BA95-8650CC325365}"/>
-              </a:ext>
-            </a:extLst>
-          </p:cNvPr>
-          <p:cNvSpPr txBox="1"/>
-          <p:nvPr/>
-        </p:nvSpPr>
-        <p:spPr>
-          <a:xfrm>
-            <a:off x="717239" y="1384661"/>
-            <a:ext cx="6096000" cy="783356"/>
-          </a:xfrm>
-          <a:prstGeom prst="rect">
-            <a:avLst/>
-          </a:prstGeom>
-          <a:noFill/>
-        </p:spPr>
-        <p:txBody>
-          <a:bodyPr wrap="square">
-            <a:spAutoFit/>
-          </a:bodyPr>
-          <a:lstStyle/>
-          <a:p>
-            <a:pPr marL="285750" indent="-285750">
-              <a:lnSpc>
-                <a:spcPct val="150000"/>
-              </a:lnSpc>
-              <a:buFont typeface="Arial" panose="020B0604020202020204" pitchFamily="34" charset="0"/>
-              <a:buChar char="•"/>
-            </a:pPr>
-            <a:r>
-              <a:rPr lang="en-US" altLang="ko-KR" sz="1600" dirty="0">
-                <a:latin typeface="+mn-ea"/>
-              </a:rPr>
-              <a:t>‘</a:t>
-            </a:r>
-            <a:r>
-              <a:rPr lang="en-US" altLang="ko-KR" sz="1600" dirty="0">
-                <a:latin typeface="+mn-ea"/>
-                <a:hlinkClick r:id="rId2"/>
-              </a:rPr>
-              <a:t>jsonplaceholder.typicode.com</a:t>
-            </a:r>
-            <a:r>
-              <a:rPr lang="en-US" altLang="ko-KR" sz="1600" dirty="0">
-                <a:latin typeface="+mn-ea"/>
-              </a:rPr>
-              <a:t>’</a:t>
-            </a:r>
-            <a:r>
-              <a:rPr lang="ko-KR" altLang="en-US" sz="1600" dirty="0">
-                <a:latin typeface="+mn-ea"/>
-              </a:rPr>
-              <a:t>에 접속한 후</a:t>
-            </a:r>
-            <a:endParaRPr lang="en-US" altLang="ko-KR" sz="1600" dirty="0">
-              <a:latin typeface="+mn-ea"/>
-            </a:endParaRPr>
-          </a:p>
-          <a:p>
-            <a:pPr marL="285750" indent="-285750">
-              <a:lnSpc>
-                <a:spcPct val="150000"/>
-              </a:lnSpc>
-              <a:buFont typeface="Arial" panose="020B0604020202020204" pitchFamily="34" charset="0"/>
-              <a:buChar char="•"/>
-            </a:pPr>
-            <a:r>
-              <a:rPr lang="en-US" altLang="ko-KR" sz="1600" dirty="0"/>
-              <a:t>[/users]</a:t>
-            </a:r>
-            <a:r>
-              <a:rPr lang="ko-KR" altLang="en-US" sz="1600" dirty="0"/>
-              <a:t> 클릭</a:t>
-            </a:r>
-            <a:endParaRPr lang="ko-KR" altLang="en-US" sz="1600" dirty="0">
-              <a:latin typeface="+mn-ea"/>
-            </a:endParaRPr>
-          </a:p>
-        </p:txBody>
-      </p:sp>
-      <p:pic>
-        <p:nvPicPr>
-          <p:cNvPr id="7" name="그림 6">
-            <a:extLst>
-              <a:ext uri="{FF2B5EF4-FFF2-40B4-BE49-F238E27FC236}">
-                <a16:creationId xmlns:a16="http://schemas.microsoft.com/office/drawing/2014/main" id="{0D99E8A5-63EF-7391-C95B-37C6DF4E0A30}"/>
-              </a:ext>
-            </a:extLst>
-          </p:cNvPr>
-          <p:cNvPicPr>
-            <a:picLocks noChangeAspect="1"/>
-          </p:cNvPicPr>
-          <p:nvPr/>
-        </p:nvPicPr>
-        <p:blipFill>
-          <a:blip r:embed="rId3"/>
-          <a:stretch>
-            <a:fillRect/>
-          </a:stretch>
-        </p:blipFill>
-        <p:spPr>
-          <a:xfrm>
-            <a:off x="6692279" y="1384661"/>
-            <a:ext cx="4483782" cy="6230983"/>
-          </a:xfrm>
-          <a:prstGeom prst="rect">
-            <a:avLst/>
-          </a:prstGeom>
-          <a:ln>
-            <a:solidFill>
-              <a:schemeClr val="bg1">
-                <a:lumMod val="50000"/>
-              </a:schemeClr>
-            </a:solidFill>
-          </a:ln>
-        </p:spPr>
-      </p:pic>
-      <p:sp>
-        <p:nvSpPr>
-          <p:cNvPr id="9" name="TextBox 8">
-            <a:extLst>
-              <a:ext uri="{FF2B5EF4-FFF2-40B4-BE49-F238E27FC236}">
-                <a16:creationId xmlns:a16="http://schemas.microsoft.com/office/drawing/2014/main" id="{02A2204E-10B5-788A-DC93-C580DFC2B5B6}"/>
-              </a:ext>
-            </a:extLst>
-          </p:cNvPr>
-          <p:cNvSpPr txBox="1"/>
-          <p:nvPr/>
-        </p:nvSpPr>
-        <p:spPr>
-          <a:xfrm>
-            <a:off x="1960321" y="2716319"/>
-            <a:ext cx="4393609" cy="697050"/>
-          </a:xfrm>
-          <a:prstGeom prst="rect">
-            <a:avLst/>
-          </a:prstGeom>
-          <a:noFill/>
-        </p:spPr>
-        <p:txBody>
-          <a:bodyPr wrap="square">
-            <a:spAutoFit/>
-          </a:bodyPr>
-          <a:lstStyle/>
-          <a:p>
-            <a:pPr>
-              <a:lnSpc>
-                <a:spcPct val="150000"/>
-              </a:lnSpc>
-            </a:pPr>
-            <a:r>
-              <a:rPr lang="ko-KR" altLang="en-US" sz="1400" dirty="0">
-                <a:solidFill>
-                  <a:schemeClr val="accent1"/>
-                </a:solidFill>
-                <a:latin typeface="+mn-ea"/>
-              </a:rPr>
-              <a:t>열 명의 사용자 정보가 들어 있는 </a:t>
-            </a:r>
-            <a:r>
-              <a:rPr lang="en-US" altLang="ko-KR" sz="1400" dirty="0">
-                <a:solidFill>
-                  <a:schemeClr val="accent1"/>
-                </a:solidFill>
-                <a:latin typeface="+mn-ea"/>
-              </a:rPr>
-              <a:t>JSON </a:t>
-            </a:r>
-            <a:r>
-              <a:rPr lang="ko-KR" altLang="en-US" sz="1400" dirty="0">
-                <a:solidFill>
-                  <a:schemeClr val="accent1"/>
-                </a:solidFill>
-                <a:latin typeface="+mn-ea"/>
-              </a:rPr>
-              <a:t>자료</a:t>
-            </a:r>
-            <a:endParaRPr lang="en-US" altLang="ko-KR" sz="1400" dirty="0">
-              <a:solidFill>
-                <a:schemeClr val="accent1"/>
-              </a:solidFill>
-              <a:latin typeface="+mn-ea"/>
-            </a:endParaRPr>
-          </a:p>
-          <a:p>
-            <a:pPr>
-              <a:lnSpc>
-                <a:spcPct val="150000"/>
-              </a:lnSpc>
-            </a:pPr>
-            <a:r>
-              <a:rPr lang="en-US" altLang="ko-KR" sz="1400" dirty="0">
-                <a:solidFill>
-                  <a:schemeClr val="accent1"/>
-                </a:solidFill>
-                <a:latin typeface="+mn-ea"/>
-              </a:rPr>
-              <a:t>id</a:t>
-            </a:r>
-            <a:r>
-              <a:rPr lang="ko-KR" altLang="en-US" sz="1400" dirty="0">
-                <a:solidFill>
-                  <a:schemeClr val="accent1"/>
-                </a:solidFill>
-                <a:latin typeface="+mn-ea"/>
-              </a:rPr>
-              <a:t>와 </a:t>
-            </a:r>
-            <a:r>
-              <a:rPr lang="en-US" altLang="ko-KR" sz="1400" dirty="0">
-                <a:solidFill>
-                  <a:schemeClr val="accent1"/>
-                </a:solidFill>
-                <a:latin typeface="+mn-ea"/>
-              </a:rPr>
-              <a:t>name, username </a:t>
-            </a:r>
-            <a:r>
-              <a:rPr lang="ko-KR" altLang="en-US" sz="1400" dirty="0">
-                <a:solidFill>
-                  <a:schemeClr val="accent1"/>
-                </a:solidFill>
-                <a:latin typeface="+mn-ea"/>
-              </a:rPr>
-              <a:t>등 여러 속성이 있다</a:t>
-            </a:r>
-            <a:r>
-              <a:rPr lang="en-US" altLang="ko-KR" sz="1400" dirty="0">
-                <a:solidFill>
-                  <a:schemeClr val="accent1"/>
-                </a:solidFill>
-                <a:latin typeface="+mn-ea"/>
-              </a:rPr>
-              <a:t>. </a:t>
-            </a:r>
-            <a:endParaRPr lang="ko-KR" altLang="en-US" sz="1400" dirty="0">
-              <a:solidFill>
-                <a:schemeClr val="accent1"/>
-              </a:solidFill>
-              <a:latin typeface="+mn-ea"/>
-            </a:endParaRPr>
-          </a:p>
-        </p:txBody>
-      </p:sp>
-      <p:cxnSp>
-        <p:nvCxnSpPr>
-          <p:cNvPr id="11" name="직선 화살표 연결선 10">
-            <a:extLst>
-              <a:ext uri="{FF2B5EF4-FFF2-40B4-BE49-F238E27FC236}">
-                <a16:creationId xmlns:a16="http://schemas.microsoft.com/office/drawing/2014/main" id="{461FCB34-5954-9778-8774-210359FDBBB7}"/>
-              </a:ext>
-            </a:extLst>
-          </p:cNvPr>
-          <p:cNvCxnSpPr>
-            <a:cxnSpLocks/>
-          </p:cNvCxnSpPr>
-          <p:nvPr/>
-        </p:nvCxnSpPr>
-        <p:spPr>
-          <a:xfrm>
-            <a:off x="5848952" y="3125804"/>
-            <a:ext cx="673768" cy="0"/>
-          </a:xfrm>
-          <a:prstGeom prst="straightConnector1">
-            <a:avLst/>
-          </a:prstGeom>
-          <a:ln>
-            <a:tailEnd type="triangle"/>
-          </a:ln>
-        </p:spPr>
-        <p:style>
-          <a:lnRef idx="1">
-            <a:schemeClr val="accent1"/>
-          </a:lnRef>
-          <a:fillRef idx="0">
-            <a:schemeClr val="accent1"/>
-          </a:fillRef>
-          <a:effectRef idx="0">
-            <a:schemeClr val="accent1"/>
-          </a:effectRef>
-          <a:fontRef idx="minor">
-            <a:schemeClr val="tx1"/>
-          </a:fontRef>
-        </p:style>
-      </p:cxnSp>
-    </p:spTree>
-    <p:extLst>
-      <p:ext uri="{BB962C8B-B14F-4D97-AF65-F5344CB8AC3E}">
-        <p14:creationId xmlns:p14="http://schemas.microsoft.com/office/powerpoint/2010/main" val="1478445104"/>
-      </p:ext>
-    </p:extLst>
-  </p:cSld>
-  <p:clrMapOvr>
-    <a:masterClrMapping/>
-  </p:clrMapOvr>
-</p:sld>
-</file>
-
-<file path=ppt/slides/slide13.xml><?xml version="1.0" encoding="utf-8"?>
-<p:sld xmlns:a="http://schemas.openxmlformats.org/drawingml/2006/main" xmlns:r="http://schemas.openxmlformats.org/officeDocument/2006/relationships" xmlns:p="http://schemas.openxmlformats.org/presentationml/2006/main">
-  <p:cSld>
-    <p:spTree>
-      <p:nvGrpSpPr>
-        <p:cNvPr id="1" name=""/>
-        <p:cNvGrpSpPr/>
-        <p:nvPr/>
-      </p:nvGrpSpPr>
-      <p:grpSpPr>
-        <a:xfrm>
-          <a:off x="0" y="0"/>
-          <a:ext cx="0" cy="0"/>
-          <a:chOff x="0" y="0"/>
-          <a:chExt cx="0" cy="0"/>
-        </a:xfrm>
-      </p:grpSpPr>
-      <p:sp>
-        <p:nvSpPr>
-          <p:cNvPr id="3" name="TextBox 2">
-            <a:extLst>
-              <a:ext uri="{FF2B5EF4-FFF2-40B4-BE49-F238E27FC236}">
-                <a16:creationId xmlns:a16="http://schemas.microsoft.com/office/drawing/2014/main" id="{B357B6EE-B058-5A63-8CDA-C09CE5B316B9}"/>
-              </a:ext>
-            </a:extLst>
-          </p:cNvPr>
-          <p:cNvSpPr txBox="1"/>
-          <p:nvPr/>
-        </p:nvSpPr>
-        <p:spPr>
-          <a:xfrm>
-            <a:off x="679269" y="470263"/>
-            <a:ext cx="5730240" cy="400110"/>
-          </a:xfrm>
-          <a:prstGeom prst="rect">
-            <a:avLst/>
-          </a:prstGeom>
-          <a:noFill/>
-        </p:spPr>
-        <p:txBody>
-          <a:bodyPr wrap="square" rtlCol="0">
-            <a:spAutoFit/>
-          </a:bodyPr>
-          <a:lstStyle/>
-          <a:p>
-            <a:r>
-              <a:rPr lang="en-US" altLang="ko-KR" sz="2000" b="1" dirty="0">
-                <a:latin typeface="+mn-ea"/>
-              </a:rPr>
-              <a:t>fetch</a:t>
-            </a:r>
-            <a:r>
-              <a:rPr lang="ko-KR" altLang="en-US" sz="2000" b="1" dirty="0">
-                <a:latin typeface="+mn-ea"/>
-              </a:rPr>
-              <a:t>를 사용해 자료 가져오기</a:t>
-            </a:r>
-          </a:p>
-        </p:txBody>
-      </p:sp>
-      <p:sp>
-        <p:nvSpPr>
-          <p:cNvPr id="5" name="TextBox 4">
-            <a:extLst>
-              <a:ext uri="{FF2B5EF4-FFF2-40B4-BE49-F238E27FC236}">
-                <a16:creationId xmlns:a16="http://schemas.microsoft.com/office/drawing/2014/main" id="{A34A3032-97E2-90B0-7256-6FB4104A6527}"/>
-              </a:ext>
-            </a:extLst>
-          </p:cNvPr>
-          <p:cNvSpPr txBox="1"/>
-          <p:nvPr/>
-        </p:nvSpPr>
-        <p:spPr>
-          <a:xfrm>
-            <a:off x="679269" y="1220765"/>
-            <a:ext cx="8725989" cy="1531830"/>
-          </a:xfrm>
-          <a:prstGeom prst="rect">
-            <a:avLst/>
-          </a:prstGeom>
-          <a:noFill/>
-          <a:ln>
-            <a:solidFill>
-              <a:schemeClr val="bg1">
-                <a:lumMod val="50000"/>
-              </a:schemeClr>
-            </a:solidFill>
-          </a:ln>
-        </p:spPr>
-        <p:txBody>
-          <a:bodyPr wrap="square">
-            <a:spAutoFit/>
-          </a:bodyPr>
-          <a:lstStyle/>
-          <a:p>
-            <a:pPr>
-              <a:lnSpc>
-                <a:spcPct val="150000"/>
-              </a:lnSpc>
-            </a:pPr>
-            <a:r>
-              <a:rPr lang="en-US" altLang="ko-KR" sz="1600" b="0" dirty="0">
-                <a:effectLst/>
-                <a:latin typeface="D2Coding" panose="020B0609020101020101" pitchFamily="49" charset="-127"/>
-                <a:ea typeface="D2Coding" panose="020B0609020101020101" pitchFamily="49" charset="-127"/>
-              </a:rPr>
-              <a:t>const </a:t>
-            </a:r>
-            <a:r>
-              <a:rPr lang="en-US" altLang="ko-KR" sz="1600" b="0" dirty="0" err="1">
-                <a:effectLst/>
-                <a:latin typeface="D2Coding" panose="020B0609020101020101" pitchFamily="49" charset="-127"/>
-                <a:ea typeface="D2Coding" panose="020B0609020101020101" pitchFamily="49" charset="-127"/>
-              </a:rPr>
-              <a:t>url</a:t>
-            </a:r>
-            <a:r>
-              <a:rPr lang="en-US" altLang="ko-KR" sz="1600" b="0" dirty="0">
-                <a:effectLst/>
-                <a:latin typeface="D2Coding" panose="020B0609020101020101" pitchFamily="49" charset="-127"/>
-                <a:ea typeface="D2Coding" panose="020B0609020101020101" pitchFamily="49" charset="-127"/>
-              </a:rPr>
-              <a:t> = 'https://jsonplaceholder.typicode.com/users';</a:t>
-            </a:r>
-          </a:p>
-          <a:p>
-            <a:pPr>
-              <a:lnSpc>
-                <a:spcPct val="150000"/>
-              </a:lnSpc>
-            </a:pPr>
-            <a:r>
-              <a:rPr lang="en-US" altLang="ko-KR" sz="1600" b="0" dirty="0">
-                <a:effectLst/>
-                <a:latin typeface="D2Coding" panose="020B0609020101020101" pitchFamily="49" charset="-127"/>
-                <a:ea typeface="D2Coding" panose="020B0609020101020101" pitchFamily="49" charset="-127"/>
-              </a:rPr>
-              <a:t>fetch(</a:t>
-            </a:r>
-            <a:r>
-              <a:rPr lang="en-US" altLang="ko-KR" sz="1600" b="0" dirty="0" err="1">
-                <a:effectLst/>
-                <a:latin typeface="D2Coding" panose="020B0609020101020101" pitchFamily="49" charset="-127"/>
-                <a:ea typeface="D2Coding" panose="020B0609020101020101" pitchFamily="49" charset="-127"/>
-              </a:rPr>
-              <a:t>url</a:t>
-            </a:r>
-            <a:r>
-              <a:rPr lang="en-US" altLang="ko-KR" sz="1600" b="0" dirty="0">
-                <a:effectLst/>
-                <a:latin typeface="D2Coding" panose="020B0609020101020101" pitchFamily="49" charset="-127"/>
-                <a:ea typeface="D2Coding" panose="020B0609020101020101" pitchFamily="49" charset="-127"/>
-              </a:rPr>
-              <a:t>)</a:t>
-            </a:r>
-          </a:p>
-          <a:p>
-            <a:pPr>
-              <a:lnSpc>
-                <a:spcPct val="150000"/>
-              </a:lnSpc>
-            </a:pPr>
-            <a:r>
-              <a:rPr lang="en-US" altLang="ko-KR" sz="1600" b="0" dirty="0">
-                <a:effectLst/>
-                <a:latin typeface="D2Coding" panose="020B0609020101020101" pitchFamily="49" charset="-127"/>
-                <a:ea typeface="D2Coding" panose="020B0609020101020101" pitchFamily="49" charset="-127"/>
-              </a:rPr>
-              <a:t>.then(response =&gt; </a:t>
-            </a:r>
-            <a:r>
-              <a:rPr lang="en-US" altLang="ko-KR" sz="1600" b="0" dirty="0" err="1">
-                <a:effectLst/>
-                <a:latin typeface="D2Coding" panose="020B0609020101020101" pitchFamily="49" charset="-127"/>
-                <a:ea typeface="D2Coding" panose="020B0609020101020101" pitchFamily="49" charset="-127"/>
-              </a:rPr>
-              <a:t>response.json</a:t>
-            </a:r>
-            <a:r>
-              <a:rPr lang="en-US" altLang="ko-KR" sz="1600" b="0" dirty="0">
-                <a:effectLst/>
-                <a:latin typeface="D2Coding" panose="020B0609020101020101" pitchFamily="49" charset="-127"/>
-                <a:ea typeface="D2Coding" panose="020B0609020101020101" pitchFamily="49" charset="-127"/>
-              </a:rPr>
-              <a:t>())</a:t>
-            </a:r>
-          </a:p>
-          <a:p>
-            <a:pPr>
-              <a:lnSpc>
-                <a:spcPct val="150000"/>
-              </a:lnSpc>
-            </a:pPr>
-            <a:r>
-              <a:rPr lang="en-US" altLang="ko-KR" sz="1600" b="0" dirty="0">
-                <a:effectLst/>
-                <a:latin typeface="D2Coding" panose="020B0609020101020101" pitchFamily="49" charset="-127"/>
-                <a:ea typeface="D2Coding" panose="020B0609020101020101" pitchFamily="49" charset="-127"/>
-              </a:rPr>
-              <a:t>.then(users =&gt; console.log(users));</a:t>
-            </a:r>
-          </a:p>
-        </p:txBody>
-      </p:sp>
-      <p:sp>
-        <p:nvSpPr>
-          <p:cNvPr id="2" name="TextBox 1">
-            <a:extLst>
-              <a:ext uri="{FF2B5EF4-FFF2-40B4-BE49-F238E27FC236}">
-                <a16:creationId xmlns:a16="http://schemas.microsoft.com/office/drawing/2014/main" id="{1B65E3EA-C22E-1C25-D162-38B5AF825F6B}"/>
-              </a:ext>
-            </a:extLst>
-          </p:cNvPr>
-          <p:cNvSpPr txBox="1"/>
-          <p:nvPr/>
-        </p:nvSpPr>
-        <p:spPr>
-          <a:xfrm>
-            <a:off x="853440" y="3074126"/>
-            <a:ext cx="5556069" cy="338554"/>
-          </a:xfrm>
-          <a:prstGeom prst="rect">
-            <a:avLst/>
-          </a:prstGeom>
-          <a:noFill/>
-        </p:spPr>
-        <p:txBody>
-          <a:bodyPr wrap="square" rtlCol="0">
-            <a:spAutoFit/>
-          </a:bodyPr>
-          <a:lstStyle/>
-          <a:p>
-            <a:r>
-              <a:rPr lang="ko-KR" altLang="en-US" sz="1600" b="1" dirty="0"/>
-              <a:t>콘솔 창에서 확인하기</a:t>
-            </a:r>
-          </a:p>
-        </p:txBody>
-      </p:sp>
-      <p:pic>
-        <p:nvPicPr>
-          <p:cNvPr id="4" name="그림 3">
-            <a:extLst>
-              <a:ext uri="{FF2B5EF4-FFF2-40B4-BE49-F238E27FC236}">
-                <a16:creationId xmlns:a16="http://schemas.microsoft.com/office/drawing/2014/main" id="{8743169D-B849-479A-AC45-9680D8480315}"/>
-              </a:ext>
-            </a:extLst>
-          </p:cNvPr>
-          <p:cNvPicPr>
-            <a:picLocks noChangeAspect="1"/>
-          </p:cNvPicPr>
-          <p:nvPr/>
-        </p:nvPicPr>
-        <p:blipFill>
-          <a:blip r:embed="rId2"/>
-          <a:stretch>
-            <a:fillRect/>
-          </a:stretch>
-        </p:blipFill>
-        <p:spPr>
-          <a:xfrm>
-            <a:off x="923106" y="3561809"/>
-            <a:ext cx="5876971" cy="2825928"/>
-          </a:xfrm>
-          <a:prstGeom prst="rect">
-            <a:avLst/>
-          </a:prstGeom>
-          <a:ln>
-            <a:solidFill>
-              <a:schemeClr val="bg1">
-                <a:lumMod val="50000"/>
-              </a:schemeClr>
-            </a:solidFill>
-          </a:ln>
-        </p:spPr>
-      </p:pic>
-    </p:spTree>
-    <p:extLst>
-      <p:ext uri="{BB962C8B-B14F-4D97-AF65-F5344CB8AC3E}">
-        <p14:creationId xmlns:p14="http://schemas.microsoft.com/office/powerpoint/2010/main" val="3067100842"/>
-      </p:ext>
-    </p:extLst>
-  </p:cSld>
-  <p:clrMapOvr>
-    <a:masterClrMapping/>
-  </p:clrMapOvr>
-</p:sld>
-</file>
-
-<file path=ppt/slides/slide14.xml><?xml version="1.0" encoding="utf-8"?>
-<p:sld xmlns:a="http://schemas.openxmlformats.org/drawingml/2006/main" xmlns:r="http://schemas.openxmlformats.org/officeDocument/2006/relationships" xmlns:p="http://schemas.openxmlformats.org/presentationml/2006/main">
-  <p:cSld>
-    <p:spTree>
-      <p:nvGrpSpPr>
-        <p:cNvPr id="1" name=""/>
-        <p:cNvGrpSpPr/>
-        <p:nvPr/>
-      </p:nvGrpSpPr>
-      <p:grpSpPr>
-        <a:xfrm>
-          <a:off x="0" y="0"/>
-          <a:ext cx="0" cy="0"/>
-          <a:chOff x="0" y="0"/>
-          <a:chExt cx="0" cy="0"/>
-        </a:xfrm>
-      </p:grpSpPr>
-      <p:sp>
-        <p:nvSpPr>
-          <p:cNvPr id="3" name="TextBox 2">
-            <a:extLst>
-              <a:ext uri="{FF2B5EF4-FFF2-40B4-BE49-F238E27FC236}">
-                <a16:creationId xmlns:a16="http://schemas.microsoft.com/office/drawing/2014/main" id="{B357B6EE-B058-5A63-8CDA-C09CE5B316B9}"/>
-              </a:ext>
-            </a:extLst>
-          </p:cNvPr>
-          <p:cNvSpPr txBox="1"/>
-          <p:nvPr/>
-        </p:nvSpPr>
-        <p:spPr>
-          <a:xfrm>
-            <a:off x="679269" y="70153"/>
-            <a:ext cx="5730240" cy="400110"/>
-          </a:xfrm>
-          <a:prstGeom prst="rect">
-            <a:avLst/>
-          </a:prstGeom>
-          <a:noFill/>
-        </p:spPr>
-        <p:txBody>
-          <a:bodyPr wrap="square" rtlCol="0">
-            <a:spAutoFit/>
-          </a:bodyPr>
-          <a:lstStyle/>
-          <a:p>
-            <a:r>
-              <a:rPr lang="en-US" altLang="ko-KR" sz="2000" b="1" dirty="0">
-                <a:latin typeface="+mn-ea"/>
-              </a:rPr>
-              <a:t>async</a:t>
-            </a:r>
-            <a:r>
-              <a:rPr lang="ko-KR" altLang="en-US" sz="2000" b="1" dirty="0">
-                <a:latin typeface="+mn-ea"/>
-              </a:rPr>
-              <a:t>와 </a:t>
-            </a:r>
-            <a:r>
-              <a:rPr lang="en-US" altLang="ko-KR" sz="2000" b="1" dirty="0">
-                <a:latin typeface="+mn-ea"/>
-              </a:rPr>
-              <a:t>await </a:t>
-            </a:r>
-            <a:r>
-              <a:rPr lang="ko-KR" altLang="en-US" sz="2000" b="1" dirty="0">
-                <a:latin typeface="+mn-ea"/>
-              </a:rPr>
-              <a:t>사용하기</a:t>
-            </a:r>
-          </a:p>
-        </p:txBody>
-      </p:sp>
-      <p:sp>
-        <p:nvSpPr>
-          <p:cNvPr id="5" name="TextBox 4">
-            <a:extLst>
-              <a:ext uri="{FF2B5EF4-FFF2-40B4-BE49-F238E27FC236}">
-                <a16:creationId xmlns:a16="http://schemas.microsoft.com/office/drawing/2014/main" id="{A34A3032-97E2-90B0-7256-6FB4104A6527}"/>
-              </a:ext>
-            </a:extLst>
-          </p:cNvPr>
-          <p:cNvSpPr txBox="1"/>
-          <p:nvPr/>
-        </p:nvSpPr>
-        <p:spPr>
-          <a:xfrm>
-            <a:off x="679269" y="818607"/>
-            <a:ext cx="10894422" cy="3978653"/>
-          </a:xfrm>
-          <a:prstGeom prst="rect">
-            <a:avLst/>
-          </a:prstGeom>
-          <a:noFill/>
-          <a:ln>
-            <a:solidFill>
-              <a:schemeClr val="bg1">
-                <a:lumMod val="50000"/>
-              </a:schemeClr>
-            </a:solidFill>
-          </a:ln>
-        </p:spPr>
-        <p:txBody>
-          <a:bodyPr wrap="square">
-            <a:spAutoFit/>
-          </a:bodyPr>
-          <a:lstStyle/>
-          <a:p>
-            <a:pPr>
-              <a:lnSpc>
-                <a:spcPct val="150000"/>
-              </a:lnSpc>
-            </a:pPr>
-            <a:r>
-              <a:rPr lang="en-US" altLang="ko-KR" sz="1600" b="0" dirty="0">
-                <a:effectLst/>
-                <a:latin typeface="D2Coding" panose="020B0609020101020101" pitchFamily="49" charset="-127"/>
-                <a:ea typeface="D2Coding" panose="020B0609020101020101" pitchFamily="49" charset="-127"/>
-              </a:rPr>
-              <a:t>const </a:t>
-            </a:r>
-            <a:r>
-              <a:rPr lang="en-US" altLang="ko-KR" sz="1600" b="0" dirty="0" err="1">
-                <a:effectLst/>
-                <a:latin typeface="D2Coding" panose="020B0609020101020101" pitchFamily="49" charset="-127"/>
-                <a:ea typeface="D2Coding" panose="020B0609020101020101" pitchFamily="49" charset="-127"/>
-              </a:rPr>
-              <a:t>url</a:t>
-            </a:r>
-            <a:r>
-              <a:rPr lang="en-US" altLang="ko-KR" sz="1600" b="0" dirty="0">
-                <a:effectLst/>
-                <a:latin typeface="D2Coding" panose="020B0609020101020101" pitchFamily="49" charset="-127"/>
-                <a:ea typeface="D2Coding" panose="020B0609020101020101" pitchFamily="49" charset="-127"/>
-              </a:rPr>
-              <a:t> = 'https://jsonplaceholder.typicode.com/users';</a:t>
-            </a:r>
-          </a:p>
-          <a:p>
-            <a:pPr>
-              <a:lnSpc>
-                <a:spcPct val="150000"/>
-              </a:lnSpc>
-            </a:pPr>
-            <a:r>
-              <a:rPr lang="en-US" altLang="ko-KR" sz="1400" b="0" strike="sngStrike" dirty="0">
-                <a:solidFill>
-                  <a:schemeClr val="bg1">
-                    <a:lumMod val="50000"/>
-                  </a:schemeClr>
-                </a:solidFill>
-                <a:effectLst/>
-                <a:latin typeface="D2Coding" panose="020B0609020101020101" pitchFamily="49" charset="-127"/>
-                <a:ea typeface="D2Coding" panose="020B0609020101020101" pitchFamily="49" charset="-127"/>
-              </a:rPr>
-              <a:t>fetch(</a:t>
-            </a:r>
-            <a:r>
-              <a:rPr lang="en-US" altLang="ko-KR" sz="1400" b="0" strike="sngStrike" dirty="0" err="1">
-                <a:solidFill>
-                  <a:schemeClr val="bg1">
-                    <a:lumMod val="50000"/>
-                  </a:schemeClr>
-                </a:solidFill>
-                <a:effectLst/>
-                <a:latin typeface="D2Coding" panose="020B0609020101020101" pitchFamily="49" charset="-127"/>
-                <a:ea typeface="D2Coding" panose="020B0609020101020101" pitchFamily="49" charset="-127"/>
-              </a:rPr>
-              <a:t>url</a:t>
-            </a:r>
-            <a:r>
-              <a:rPr lang="en-US" altLang="ko-KR" sz="1400" b="0" strike="sngStrike" dirty="0">
-                <a:solidFill>
-                  <a:schemeClr val="bg1">
-                    <a:lumMod val="50000"/>
-                  </a:schemeClr>
-                </a:solidFill>
-                <a:effectLst/>
-                <a:latin typeface="D2Coding" panose="020B0609020101020101" pitchFamily="49" charset="-127"/>
-                <a:ea typeface="D2Coding" panose="020B0609020101020101" pitchFamily="49" charset="-127"/>
-              </a:rPr>
-              <a:t>)</a:t>
-            </a:r>
-          </a:p>
-          <a:p>
-            <a:pPr>
-              <a:lnSpc>
-                <a:spcPct val="150000"/>
-              </a:lnSpc>
-            </a:pPr>
-            <a:r>
-              <a:rPr lang="en-US" altLang="ko-KR" sz="1400" b="0" strike="sngStrike" dirty="0">
-                <a:solidFill>
-                  <a:schemeClr val="bg1">
-                    <a:lumMod val="50000"/>
-                  </a:schemeClr>
-                </a:solidFill>
-                <a:effectLst/>
-                <a:latin typeface="D2Coding" panose="020B0609020101020101" pitchFamily="49" charset="-127"/>
-                <a:ea typeface="D2Coding" panose="020B0609020101020101" pitchFamily="49" charset="-127"/>
-              </a:rPr>
-              <a:t>.then(response =&gt; </a:t>
-            </a:r>
-            <a:r>
-              <a:rPr lang="en-US" altLang="ko-KR" sz="1400" b="0" strike="sngStrike" dirty="0" err="1">
-                <a:solidFill>
-                  <a:schemeClr val="bg1">
-                    <a:lumMod val="50000"/>
-                  </a:schemeClr>
-                </a:solidFill>
-                <a:effectLst/>
-                <a:latin typeface="D2Coding" panose="020B0609020101020101" pitchFamily="49" charset="-127"/>
-                <a:ea typeface="D2Coding" panose="020B0609020101020101" pitchFamily="49" charset="-127"/>
-              </a:rPr>
-              <a:t>response.json</a:t>
-            </a:r>
-            <a:r>
-              <a:rPr lang="en-US" altLang="ko-KR" sz="1400" b="0" strike="sngStrike" dirty="0">
-                <a:solidFill>
-                  <a:schemeClr val="bg1">
-                    <a:lumMod val="50000"/>
-                  </a:schemeClr>
-                </a:solidFill>
-                <a:effectLst/>
-                <a:latin typeface="D2Coding" panose="020B0609020101020101" pitchFamily="49" charset="-127"/>
-                <a:ea typeface="D2Coding" panose="020B0609020101020101" pitchFamily="49" charset="-127"/>
-              </a:rPr>
-              <a:t>())</a:t>
-            </a:r>
-          </a:p>
-          <a:p>
-            <a:pPr>
-              <a:lnSpc>
-                <a:spcPct val="150000"/>
-              </a:lnSpc>
-            </a:pPr>
-            <a:r>
-              <a:rPr lang="en-US" altLang="ko-KR" sz="1400" b="0" strike="sngStrike" dirty="0">
-                <a:solidFill>
-                  <a:schemeClr val="bg1">
-                    <a:lumMod val="50000"/>
-                  </a:schemeClr>
-                </a:solidFill>
-                <a:effectLst/>
-                <a:latin typeface="D2Coding" panose="020B0609020101020101" pitchFamily="49" charset="-127"/>
-                <a:ea typeface="D2Coding" panose="020B0609020101020101" pitchFamily="49" charset="-127"/>
-              </a:rPr>
-              <a:t>.then(users =&gt;</a:t>
-            </a:r>
-          </a:p>
-          <a:p>
-            <a:pPr>
-              <a:lnSpc>
-                <a:spcPct val="150000"/>
-              </a:lnSpc>
-            </a:pPr>
-            <a:r>
-              <a:rPr lang="en-US" altLang="ko-KR" sz="1600" b="0" dirty="0">
-                <a:solidFill>
-                  <a:srgbClr val="C00000"/>
-                </a:solidFill>
-                <a:effectLst/>
-                <a:latin typeface="D2Coding" panose="020B0609020101020101" pitchFamily="49" charset="-127"/>
-                <a:ea typeface="D2Coding" panose="020B0609020101020101" pitchFamily="49" charset="-127"/>
-              </a:rPr>
-              <a:t>async function </a:t>
-            </a:r>
-            <a:r>
-              <a:rPr lang="en-US" altLang="ko-KR" sz="1600" b="0" dirty="0" err="1">
-                <a:solidFill>
-                  <a:srgbClr val="C00000"/>
-                </a:solidFill>
-                <a:effectLst/>
-                <a:latin typeface="D2Coding" panose="020B0609020101020101" pitchFamily="49" charset="-127"/>
-                <a:ea typeface="D2Coding" panose="020B0609020101020101" pitchFamily="49" charset="-127"/>
-              </a:rPr>
-              <a:t>init</a:t>
-            </a:r>
-            <a:r>
-              <a:rPr lang="en-US" altLang="ko-KR" sz="1600" b="0" dirty="0">
-                <a:solidFill>
-                  <a:srgbClr val="C00000"/>
-                </a:solidFill>
-                <a:effectLst/>
-                <a:latin typeface="D2Coding" panose="020B0609020101020101" pitchFamily="49" charset="-127"/>
-                <a:ea typeface="D2Coding" panose="020B0609020101020101" pitchFamily="49" charset="-127"/>
-              </a:rPr>
-              <a:t>() {</a:t>
-            </a:r>
-          </a:p>
-          <a:p>
-            <a:pPr>
-              <a:lnSpc>
-                <a:spcPct val="150000"/>
-              </a:lnSpc>
-            </a:pPr>
-            <a:r>
-              <a:rPr lang="en-US" altLang="ko-KR" sz="1600" dirty="0">
-                <a:solidFill>
-                  <a:srgbClr val="C00000"/>
-                </a:solidFill>
-                <a:latin typeface="D2Coding" panose="020B0609020101020101" pitchFamily="49" charset="-127"/>
-                <a:ea typeface="D2Coding" panose="020B0609020101020101" pitchFamily="49" charset="-127"/>
-              </a:rPr>
-              <a:t>  const response = await fetch(</a:t>
-            </a:r>
-            <a:r>
-              <a:rPr lang="en-US" altLang="ko-KR" sz="1600" dirty="0" err="1">
-                <a:solidFill>
-                  <a:srgbClr val="C00000"/>
-                </a:solidFill>
-                <a:latin typeface="D2Coding" panose="020B0609020101020101" pitchFamily="49" charset="-127"/>
-                <a:ea typeface="D2Coding" panose="020B0609020101020101" pitchFamily="49" charset="-127"/>
-              </a:rPr>
-              <a:t>url</a:t>
-            </a:r>
-            <a:r>
-              <a:rPr lang="en-US" altLang="ko-KR" sz="1600" dirty="0">
-                <a:solidFill>
-                  <a:srgbClr val="C00000"/>
-                </a:solidFill>
-                <a:latin typeface="D2Coding" panose="020B0609020101020101" pitchFamily="49" charset="-127"/>
-                <a:ea typeface="D2Coding" panose="020B0609020101020101" pitchFamily="49" charset="-127"/>
-              </a:rPr>
-              <a:t>);</a:t>
-            </a:r>
-          </a:p>
-          <a:p>
-            <a:pPr>
-              <a:lnSpc>
-                <a:spcPct val="150000"/>
-              </a:lnSpc>
-            </a:pPr>
-            <a:r>
-              <a:rPr lang="en-US" altLang="ko-KR" sz="1600" b="0" dirty="0">
-                <a:solidFill>
-                  <a:srgbClr val="C00000"/>
-                </a:solidFill>
-                <a:effectLst/>
-                <a:latin typeface="D2Coding" panose="020B0609020101020101" pitchFamily="49" charset="-127"/>
-                <a:ea typeface="D2Coding" panose="020B0609020101020101" pitchFamily="49" charset="-127"/>
-              </a:rPr>
-              <a:t>  const users = await </a:t>
-            </a:r>
-            <a:r>
-              <a:rPr lang="en-US" altLang="ko-KR" sz="1600" b="0" dirty="0" err="1">
-                <a:solidFill>
-                  <a:srgbClr val="C00000"/>
-                </a:solidFill>
-                <a:effectLst/>
-                <a:latin typeface="D2Coding" panose="020B0609020101020101" pitchFamily="49" charset="-127"/>
-                <a:ea typeface="D2Coding" panose="020B0609020101020101" pitchFamily="49" charset="-127"/>
-              </a:rPr>
-              <a:t>response.json</a:t>
-            </a:r>
-            <a:r>
-              <a:rPr lang="en-US" altLang="ko-KR" sz="1600" b="0" dirty="0">
-                <a:solidFill>
-                  <a:srgbClr val="C00000"/>
-                </a:solidFill>
-                <a:effectLst/>
-                <a:latin typeface="D2Coding" panose="020B0609020101020101" pitchFamily="49" charset="-127"/>
-                <a:ea typeface="D2Coding" panose="020B0609020101020101" pitchFamily="49" charset="-127"/>
-              </a:rPr>
-              <a:t>();</a:t>
-            </a:r>
-          </a:p>
-          <a:p>
-            <a:pPr>
-              <a:lnSpc>
-                <a:spcPct val="150000"/>
-              </a:lnSpc>
-            </a:pPr>
-            <a:r>
-              <a:rPr lang="en-US" altLang="ko-KR" sz="1600" dirty="0">
-                <a:solidFill>
-                  <a:srgbClr val="C00000"/>
-                </a:solidFill>
-                <a:latin typeface="D2Coding" panose="020B0609020101020101" pitchFamily="49" charset="-127"/>
-                <a:ea typeface="D2Coding" panose="020B0609020101020101" pitchFamily="49" charset="-127"/>
-              </a:rPr>
-              <a:t>  console.log(users);</a:t>
-            </a:r>
-            <a:endParaRPr lang="en-US" altLang="ko-KR" sz="1600" b="0" dirty="0">
-              <a:solidFill>
-                <a:srgbClr val="C00000"/>
-              </a:solidFill>
-              <a:effectLst/>
-              <a:latin typeface="D2Coding" panose="020B0609020101020101" pitchFamily="49" charset="-127"/>
-              <a:ea typeface="D2Coding" panose="020B0609020101020101" pitchFamily="49" charset="-127"/>
-            </a:endParaRPr>
-          </a:p>
-          <a:p>
-            <a:pPr>
-              <a:lnSpc>
-                <a:spcPct val="150000"/>
-              </a:lnSpc>
-            </a:pPr>
-            <a:r>
-              <a:rPr lang="en-US" altLang="ko-KR" sz="1600" b="0" dirty="0">
-                <a:solidFill>
-                  <a:srgbClr val="C00000"/>
-                </a:solidFill>
-                <a:effectLst/>
-                <a:latin typeface="D2Coding" panose="020B0609020101020101" pitchFamily="49" charset="-127"/>
-                <a:ea typeface="D2Coding" panose="020B0609020101020101" pitchFamily="49" charset="-127"/>
-              </a:rPr>
-              <a:t>});</a:t>
-            </a:r>
-          </a:p>
-          <a:p>
-            <a:pPr>
-              <a:lnSpc>
-                <a:spcPct val="150000"/>
-              </a:lnSpc>
-            </a:pPr>
-            <a:endParaRPr lang="en-US" altLang="ko-KR" sz="1600" b="0" dirty="0">
-              <a:solidFill>
-                <a:srgbClr val="C00000"/>
-              </a:solidFill>
-              <a:effectLst/>
-              <a:latin typeface="D2Coding" panose="020B0609020101020101" pitchFamily="49" charset="-127"/>
-              <a:ea typeface="D2Coding" panose="020B0609020101020101" pitchFamily="49" charset="-127"/>
-            </a:endParaRPr>
-          </a:p>
-          <a:p>
-            <a:pPr>
-              <a:lnSpc>
-                <a:spcPct val="150000"/>
-              </a:lnSpc>
-            </a:pPr>
-            <a:r>
-              <a:rPr lang="en-US" altLang="ko-KR" sz="1600" dirty="0" err="1">
-                <a:solidFill>
-                  <a:srgbClr val="C00000"/>
-                </a:solidFill>
-                <a:latin typeface="D2Coding" panose="020B0609020101020101" pitchFamily="49" charset="-127"/>
-                <a:ea typeface="D2Coding" panose="020B0609020101020101" pitchFamily="49" charset="-127"/>
-              </a:rPr>
-              <a:t>init</a:t>
-            </a:r>
-            <a:r>
-              <a:rPr lang="en-US" altLang="ko-KR" sz="1600" dirty="0">
-                <a:solidFill>
-                  <a:srgbClr val="C00000"/>
-                </a:solidFill>
-                <a:latin typeface="D2Coding" panose="020B0609020101020101" pitchFamily="49" charset="-127"/>
-                <a:ea typeface="D2Coding" panose="020B0609020101020101" pitchFamily="49" charset="-127"/>
-              </a:rPr>
-              <a:t>();</a:t>
-            </a:r>
-            <a:endParaRPr lang="en-US" altLang="ko-KR" sz="1600" b="0" dirty="0">
-              <a:solidFill>
-                <a:srgbClr val="C00000"/>
-              </a:solidFill>
-              <a:effectLst/>
-              <a:latin typeface="D2Coding" panose="020B0609020101020101" pitchFamily="49" charset="-127"/>
-              <a:ea typeface="D2Coding" panose="020B0609020101020101" pitchFamily="49" charset="-127"/>
-            </a:endParaRPr>
-          </a:p>
-        </p:txBody>
-      </p:sp>
-      <p:sp>
-        <p:nvSpPr>
-          <p:cNvPr id="2" name="TextBox 1">
-            <a:extLst>
-              <a:ext uri="{FF2B5EF4-FFF2-40B4-BE49-F238E27FC236}">
-                <a16:creationId xmlns:a16="http://schemas.microsoft.com/office/drawing/2014/main" id="{82F2BF91-321B-8551-E481-E0CEF8A232EF}"/>
-              </a:ext>
-            </a:extLst>
-          </p:cNvPr>
-          <p:cNvSpPr txBox="1"/>
-          <p:nvPr/>
-        </p:nvSpPr>
-        <p:spPr>
-          <a:xfrm>
-            <a:off x="4724401" y="1280160"/>
-            <a:ext cx="2952205" cy="307777"/>
-          </a:xfrm>
-          <a:prstGeom prst="rect">
-            <a:avLst/>
-          </a:prstGeom>
-          <a:noFill/>
-        </p:spPr>
-        <p:txBody>
-          <a:bodyPr wrap="square" rtlCol="0">
-            <a:spAutoFit/>
-          </a:bodyPr>
-          <a:lstStyle/>
-          <a:p>
-            <a:r>
-              <a:rPr lang="en-US" altLang="ko-KR" sz="1400" dirty="0">
-                <a:solidFill>
-                  <a:schemeClr val="accent1"/>
-                </a:solidFill>
-              </a:rPr>
-              <a:t>fetch()</a:t>
-            </a:r>
-            <a:r>
-              <a:rPr lang="ko-KR" altLang="en-US" sz="1400" dirty="0">
-                <a:solidFill>
-                  <a:schemeClr val="accent1"/>
-                </a:solidFill>
-              </a:rPr>
-              <a:t> 구문 삭제하기</a:t>
-            </a:r>
-          </a:p>
-        </p:txBody>
-      </p:sp>
-      <p:cxnSp>
-        <p:nvCxnSpPr>
-          <p:cNvPr id="7" name="직선 화살표 연결선 6">
-            <a:extLst>
-              <a:ext uri="{FF2B5EF4-FFF2-40B4-BE49-F238E27FC236}">
-                <a16:creationId xmlns:a16="http://schemas.microsoft.com/office/drawing/2014/main" id="{F405CB4C-2E99-4004-3F93-35D51094FA54}"/>
-              </a:ext>
-            </a:extLst>
-          </p:cNvPr>
-          <p:cNvCxnSpPr/>
-          <p:nvPr/>
-        </p:nvCxnSpPr>
-        <p:spPr>
-          <a:xfrm flipH="1">
-            <a:off x="4162698" y="1419497"/>
-            <a:ext cx="496388" cy="0"/>
-          </a:xfrm>
-          <a:prstGeom prst="straightConnector1">
-            <a:avLst/>
-          </a:prstGeom>
-          <a:ln>
-            <a:tailEnd type="triangle"/>
-          </a:ln>
-        </p:spPr>
-        <p:style>
-          <a:lnRef idx="1">
-            <a:schemeClr val="accent1"/>
-          </a:lnRef>
-          <a:fillRef idx="0">
-            <a:schemeClr val="accent1"/>
-          </a:fillRef>
-          <a:effectRef idx="0">
-            <a:schemeClr val="accent1"/>
-          </a:effectRef>
-          <a:fontRef idx="minor">
-            <a:schemeClr val="tx1"/>
-          </a:fontRef>
-        </p:style>
-      </p:cxnSp>
-      <p:pic>
-        <p:nvPicPr>
-          <p:cNvPr id="9" name="그림 8">
-            <a:extLst>
-              <a:ext uri="{FF2B5EF4-FFF2-40B4-BE49-F238E27FC236}">
-                <a16:creationId xmlns:a16="http://schemas.microsoft.com/office/drawing/2014/main" id="{CD8E1E36-D2A3-25CF-7823-5FFC26A5FC36}"/>
-              </a:ext>
-            </a:extLst>
-          </p:cNvPr>
-          <p:cNvPicPr>
-            <a:picLocks noChangeAspect="1"/>
-          </p:cNvPicPr>
-          <p:nvPr/>
-        </p:nvPicPr>
-        <p:blipFill>
-          <a:blip r:embed="rId2"/>
-          <a:stretch>
-            <a:fillRect/>
-          </a:stretch>
-        </p:blipFill>
-        <p:spPr>
-          <a:xfrm>
-            <a:off x="2551611" y="3887709"/>
-            <a:ext cx="8804802" cy="2742208"/>
-          </a:xfrm>
-          <a:prstGeom prst="rect">
-            <a:avLst/>
-          </a:prstGeom>
-        </p:spPr>
-      </p:pic>
-    </p:spTree>
-    <p:extLst>
-      <p:ext uri="{BB962C8B-B14F-4D97-AF65-F5344CB8AC3E}">
-        <p14:creationId xmlns:p14="http://schemas.microsoft.com/office/powerpoint/2010/main" val="4229500542"/>
-      </p:ext>
-    </p:extLst>
-  </p:cSld>
-  <p:clrMapOvr>
-    <a:masterClrMapping/>
-  </p:clrMapOvr>
-</p:sld>
-</file>
-
-<file path=ppt/slides/slide15.xml><?xml version="1.0" encoding="utf-8"?>
-<p:sld xmlns:a="http://schemas.openxmlformats.org/drawingml/2006/main" xmlns:r="http://schemas.openxmlformats.org/officeDocument/2006/relationships" xmlns:p="http://schemas.openxmlformats.org/presentationml/2006/main">
-  <p:cSld>
-    <p:spTree>
-      <p:nvGrpSpPr>
-        <p:cNvPr id="1" name=""/>
-        <p:cNvGrpSpPr/>
-        <p:nvPr/>
-      </p:nvGrpSpPr>
-      <p:grpSpPr>
-        <a:xfrm>
-          <a:off x="0" y="0"/>
-          <a:ext cx="0" cy="0"/>
-          <a:chOff x="0" y="0"/>
-          <a:chExt cx="0" cy="0"/>
-        </a:xfrm>
-      </p:grpSpPr>
-      <p:sp>
-        <p:nvSpPr>
-          <p:cNvPr id="3" name="TextBox 2">
-            <a:extLst>
-              <a:ext uri="{FF2B5EF4-FFF2-40B4-BE49-F238E27FC236}">
-                <a16:creationId xmlns:a16="http://schemas.microsoft.com/office/drawing/2014/main" id="{B357B6EE-B058-5A63-8CDA-C09CE5B316B9}"/>
-              </a:ext>
-            </a:extLst>
-          </p:cNvPr>
-          <p:cNvSpPr txBox="1"/>
-          <p:nvPr/>
-        </p:nvSpPr>
-        <p:spPr>
-          <a:xfrm>
-            <a:off x="679269" y="70153"/>
-            <a:ext cx="5730240" cy="400110"/>
-          </a:xfrm>
-          <a:prstGeom prst="rect">
-            <a:avLst/>
-          </a:prstGeom>
-          <a:noFill/>
-        </p:spPr>
-        <p:txBody>
-          <a:bodyPr wrap="square" rtlCol="0">
-            <a:spAutoFit/>
-          </a:bodyPr>
-          <a:lstStyle/>
-          <a:p>
-            <a:r>
-              <a:rPr lang="ko-KR" altLang="en-US" sz="2000" b="1" dirty="0">
-                <a:latin typeface="+mn-ea"/>
-              </a:rPr>
-              <a:t>가져온 자료를 웹 브라우저 창에 표시하기</a:t>
-            </a:r>
-          </a:p>
-        </p:txBody>
-      </p:sp>
-      <p:sp>
-        <p:nvSpPr>
-          <p:cNvPr id="5" name="TextBox 4">
-            <a:extLst>
-              <a:ext uri="{FF2B5EF4-FFF2-40B4-BE49-F238E27FC236}">
-                <a16:creationId xmlns:a16="http://schemas.microsoft.com/office/drawing/2014/main" id="{A34A3032-97E2-90B0-7256-6FB4104A6527}"/>
-              </a:ext>
-            </a:extLst>
-          </p:cNvPr>
-          <p:cNvSpPr txBox="1"/>
-          <p:nvPr/>
-        </p:nvSpPr>
-        <p:spPr>
-          <a:xfrm>
-            <a:off x="592182" y="670175"/>
-            <a:ext cx="8725989" cy="5594480"/>
-          </a:xfrm>
-          <a:prstGeom prst="rect">
-            <a:avLst/>
-          </a:prstGeom>
-          <a:noFill/>
-          <a:ln>
-            <a:solidFill>
-              <a:schemeClr val="bg1">
-                <a:lumMod val="50000"/>
-              </a:schemeClr>
-            </a:solidFill>
-          </a:ln>
-        </p:spPr>
-        <p:txBody>
-          <a:bodyPr wrap="square">
-            <a:spAutoFit/>
-          </a:bodyPr>
-          <a:lstStyle/>
-          <a:p>
-            <a:pPr>
-              <a:lnSpc>
-                <a:spcPct val="150000"/>
-              </a:lnSpc>
-            </a:pPr>
-            <a:r>
-              <a:rPr lang="en-US" altLang="ko-KR" sz="1600" b="0" dirty="0">
-                <a:effectLst/>
-                <a:latin typeface="D2Coding" panose="020B0609020101020101" pitchFamily="49" charset="-127"/>
-                <a:ea typeface="D2Coding" panose="020B0609020101020101" pitchFamily="49" charset="-127"/>
-              </a:rPr>
-              <a:t>async function </a:t>
-            </a:r>
-            <a:r>
-              <a:rPr lang="en-US" altLang="ko-KR" sz="1600" b="0" dirty="0" err="1">
-                <a:effectLst/>
-                <a:latin typeface="D2Coding" panose="020B0609020101020101" pitchFamily="49" charset="-127"/>
-                <a:ea typeface="D2Coding" panose="020B0609020101020101" pitchFamily="49" charset="-127"/>
-              </a:rPr>
-              <a:t>init</a:t>
-            </a:r>
-            <a:r>
-              <a:rPr lang="en-US" altLang="ko-KR" sz="1600" b="0" dirty="0">
-                <a:effectLst/>
-                <a:latin typeface="D2Coding" panose="020B0609020101020101" pitchFamily="49" charset="-127"/>
-                <a:ea typeface="D2Coding" panose="020B0609020101020101" pitchFamily="49" charset="-127"/>
-              </a:rPr>
-              <a:t>() {</a:t>
-            </a:r>
-          </a:p>
-          <a:p>
-            <a:pPr>
-              <a:lnSpc>
-                <a:spcPct val="150000"/>
-              </a:lnSpc>
-            </a:pPr>
-            <a:r>
-              <a:rPr lang="en-US" altLang="ko-KR" sz="1600" dirty="0">
-                <a:latin typeface="D2Coding" panose="020B0609020101020101" pitchFamily="49" charset="-127"/>
-                <a:ea typeface="D2Coding" panose="020B0609020101020101" pitchFamily="49" charset="-127"/>
-              </a:rPr>
-              <a:t>   ……</a:t>
-            </a:r>
-            <a:endParaRPr lang="en-US" altLang="ko-KR" sz="1600" b="0" dirty="0">
-              <a:effectLst/>
-              <a:latin typeface="D2Coding" panose="020B0609020101020101" pitchFamily="49" charset="-127"/>
-              <a:ea typeface="D2Coding" panose="020B0609020101020101" pitchFamily="49" charset="-127"/>
-            </a:endParaRPr>
-          </a:p>
-          <a:p>
-            <a:pPr>
-              <a:lnSpc>
-                <a:spcPct val="150000"/>
-              </a:lnSpc>
-            </a:pPr>
-            <a:r>
-              <a:rPr lang="en-US" altLang="ko-KR" sz="1600" b="0" dirty="0">
-                <a:effectLst/>
-                <a:latin typeface="D2Coding" panose="020B0609020101020101" pitchFamily="49" charset="-127"/>
-                <a:ea typeface="D2Coding" panose="020B0609020101020101" pitchFamily="49" charset="-127"/>
-              </a:rPr>
-              <a:t>}</a:t>
-            </a:r>
-          </a:p>
-          <a:p>
-            <a:pPr>
-              <a:lnSpc>
-                <a:spcPct val="150000"/>
-              </a:lnSpc>
-            </a:pPr>
-            <a:r>
-              <a:rPr lang="en-US" altLang="ko-KR" sz="1600" b="0" dirty="0">
-                <a:solidFill>
-                  <a:srgbClr val="C00000"/>
-                </a:solidFill>
-                <a:effectLst/>
-                <a:latin typeface="D2Coding" panose="020B0609020101020101" pitchFamily="49" charset="-127"/>
-                <a:ea typeface="D2Coding" panose="020B0609020101020101" pitchFamily="49" charset="-127"/>
-              </a:rPr>
-              <a:t>function display(users) {</a:t>
-            </a:r>
-          </a:p>
-          <a:p>
-            <a:pPr>
-              <a:lnSpc>
-                <a:spcPct val="150000"/>
-              </a:lnSpc>
-            </a:pPr>
-            <a:r>
-              <a:rPr lang="en-US" altLang="ko-KR" sz="1600" b="0" dirty="0">
-                <a:solidFill>
-                  <a:srgbClr val="C00000"/>
-                </a:solidFill>
-                <a:effectLst/>
-                <a:latin typeface="D2Coding" panose="020B0609020101020101" pitchFamily="49" charset="-127"/>
-                <a:ea typeface="D2Coding" panose="020B0609020101020101" pitchFamily="49" charset="-127"/>
-              </a:rPr>
-              <a:t>  const result = </a:t>
-            </a:r>
-            <a:r>
-              <a:rPr lang="en-US" altLang="ko-KR" sz="1600" b="0" dirty="0" err="1">
-                <a:solidFill>
-                  <a:srgbClr val="C00000"/>
-                </a:solidFill>
-                <a:effectLst/>
-                <a:latin typeface="D2Coding" panose="020B0609020101020101" pitchFamily="49" charset="-127"/>
-                <a:ea typeface="D2Coding" panose="020B0609020101020101" pitchFamily="49" charset="-127"/>
-              </a:rPr>
-              <a:t>document.querySelector</a:t>
-            </a:r>
-            <a:r>
-              <a:rPr lang="en-US" altLang="ko-KR" sz="1600" b="0" dirty="0">
-                <a:solidFill>
-                  <a:srgbClr val="C00000"/>
-                </a:solidFill>
-                <a:effectLst/>
-                <a:latin typeface="D2Coding" panose="020B0609020101020101" pitchFamily="49" charset="-127"/>
-                <a:ea typeface="D2Coding" panose="020B0609020101020101" pitchFamily="49" charset="-127"/>
-              </a:rPr>
-              <a:t>("#result");</a:t>
-            </a:r>
-          </a:p>
-          <a:p>
-            <a:pPr>
-              <a:lnSpc>
-                <a:spcPct val="150000"/>
-              </a:lnSpc>
-            </a:pPr>
-            <a:r>
-              <a:rPr lang="en-US" altLang="ko-KR" sz="1600" b="0" dirty="0">
-                <a:solidFill>
-                  <a:srgbClr val="C00000"/>
-                </a:solidFill>
-                <a:effectLst/>
-                <a:latin typeface="D2Coding" panose="020B0609020101020101" pitchFamily="49" charset="-127"/>
-                <a:ea typeface="D2Coding" panose="020B0609020101020101" pitchFamily="49" charset="-127"/>
-              </a:rPr>
-              <a:t>  let string = "";</a:t>
-            </a:r>
-          </a:p>
-          <a:p>
-            <a:pPr>
-              <a:lnSpc>
-                <a:spcPct val="150000"/>
-              </a:lnSpc>
-            </a:pPr>
-            <a:r>
-              <a:rPr lang="en-US" altLang="ko-KR" sz="1600" b="0" dirty="0">
-                <a:solidFill>
-                  <a:srgbClr val="C00000"/>
-                </a:solidFill>
-                <a:effectLst/>
-                <a:latin typeface="D2Coding" panose="020B0609020101020101" pitchFamily="49" charset="-127"/>
-                <a:ea typeface="D2Coding" panose="020B0609020101020101" pitchFamily="49" charset="-127"/>
-              </a:rPr>
-              <a:t>  </a:t>
-            </a:r>
-            <a:r>
-              <a:rPr lang="en-US" altLang="ko-KR" sz="1600" b="0" dirty="0" err="1">
-                <a:solidFill>
-                  <a:srgbClr val="C00000"/>
-                </a:solidFill>
-                <a:effectLst/>
-                <a:latin typeface="D2Coding" panose="020B0609020101020101" pitchFamily="49" charset="-127"/>
-                <a:ea typeface="D2Coding" panose="020B0609020101020101" pitchFamily="49" charset="-127"/>
-              </a:rPr>
-              <a:t>users.forEach</a:t>
-            </a:r>
-            <a:r>
-              <a:rPr lang="en-US" altLang="ko-KR" sz="1600" b="0" dirty="0">
-                <a:solidFill>
-                  <a:srgbClr val="C00000"/>
-                </a:solidFill>
-                <a:effectLst/>
-                <a:latin typeface="D2Coding" panose="020B0609020101020101" pitchFamily="49" charset="-127"/>
-                <a:ea typeface="D2Coding" panose="020B0609020101020101" pitchFamily="49" charset="-127"/>
-              </a:rPr>
-              <a:t>(user =&gt; {</a:t>
-            </a:r>
-          </a:p>
-          <a:p>
-            <a:pPr>
-              <a:lnSpc>
-                <a:spcPct val="150000"/>
-              </a:lnSpc>
-            </a:pPr>
-            <a:r>
-              <a:rPr lang="en-US" altLang="ko-KR" sz="1600" b="0" dirty="0">
-                <a:solidFill>
-                  <a:srgbClr val="C00000"/>
-                </a:solidFill>
-                <a:effectLst/>
-                <a:latin typeface="D2Coding" panose="020B0609020101020101" pitchFamily="49" charset="-127"/>
-                <a:ea typeface="D2Coding" panose="020B0609020101020101" pitchFamily="49" charset="-127"/>
-              </a:rPr>
-              <a:t>    string += `&lt;</a:t>
-            </a:r>
-            <a:r>
-              <a:rPr lang="en-US" altLang="ko-KR" sz="1600" b="0" dirty="0" err="1">
-                <a:solidFill>
-                  <a:srgbClr val="C00000"/>
-                </a:solidFill>
-                <a:effectLst/>
-                <a:latin typeface="D2Coding" panose="020B0609020101020101" pitchFamily="49" charset="-127"/>
-                <a:ea typeface="D2Coding" panose="020B0609020101020101" pitchFamily="49" charset="-127"/>
-              </a:rPr>
-              <a:t>ul</a:t>
-            </a:r>
-            <a:r>
-              <a:rPr lang="en-US" altLang="ko-KR" sz="1600" b="0" dirty="0">
-                <a:solidFill>
-                  <a:srgbClr val="C00000"/>
-                </a:solidFill>
-                <a:effectLst/>
-                <a:latin typeface="D2Coding" panose="020B0609020101020101" pitchFamily="49" charset="-127"/>
-                <a:ea typeface="D2Coding" panose="020B0609020101020101" pitchFamily="49" charset="-127"/>
-              </a:rPr>
-              <a:t>&gt;&lt;li&gt;${user.name}&lt;/li&gt;</a:t>
-            </a:r>
-          </a:p>
-          <a:p>
-            <a:pPr>
-              <a:lnSpc>
-                <a:spcPct val="150000"/>
-              </a:lnSpc>
-            </a:pPr>
-            <a:r>
-              <a:rPr lang="en-US" altLang="ko-KR" sz="1600" b="0" dirty="0">
-                <a:solidFill>
-                  <a:srgbClr val="C00000"/>
-                </a:solidFill>
-                <a:effectLst/>
-                <a:latin typeface="D2Coding" panose="020B0609020101020101" pitchFamily="49" charset="-127"/>
-                <a:ea typeface="D2Coding" panose="020B0609020101020101" pitchFamily="49" charset="-127"/>
-              </a:rPr>
-              <a:t>               &lt;li&gt;${</a:t>
-            </a:r>
-            <a:r>
-              <a:rPr lang="en-US" altLang="ko-KR" sz="1600" b="0" dirty="0" err="1">
-                <a:solidFill>
-                  <a:srgbClr val="C00000"/>
-                </a:solidFill>
-                <a:effectLst/>
-                <a:latin typeface="D2Coding" panose="020B0609020101020101" pitchFamily="49" charset="-127"/>
-                <a:ea typeface="D2Coding" panose="020B0609020101020101" pitchFamily="49" charset="-127"/>
-              </a:rPr>
-              <a:t>user.username</a:t>
-            </a:r>
-            <a:r>
-              <a:rPr lang="en-US" altLang="ko-KR" sz="1600" b="0" dirty="0">
-                <a:solidFill>
-                  <a:srgbClr val="C00000"/>
-                </a:solidFill>
-                <a:effectLst/>
-                <a:latin typeface="D2Coding" panose="020B0609020101020101" pitchFamily="49" charset="-127"/>
-                <a:ea typeface="D2Coding" panose="020B0609020101020101" pitchFamily="49" charset="-127"/>
-              </a:rPr>
-              <a:t>}&lt;/li&gt;</a:t>
-            </a:r>
-          </a:p>
-          <a:p>
-            <a:pPr>
-              <a:lnSpc>
-                <a:spcPct val="150000"/>
-              </a:lnSpc>
-            </a:pPr>
-            <a:r>
-              <a:rPr lang="en-US" altLang="ko-KR" sz="1600" b="0" dirty="0">
-                <a:solidFill>
-                  <a:srgbClr val="C00000"/>
-                </a:solidFill>
-                <a:effectLst/>
-                <a:latin typeface="D2Coding" panose="020B0609020101020101" pitchFamily="49" charset="-127"/>
-                <a:ea typeface="D2Coding" panose="020B0609020101020101" pitchFamily="49" charset="-127"/>
-              </a:rPr>
-              <a:t>               &lt;li&gt;${</a:t>
-            </a:r>
-            <a:r>
-              <a:rPr lang="en-US" altLang="ko-KR" sz="1600" b="0" dirty="0" err="1">
-                <a:solidFill>
-                  <a:srgbClr val="C00000"/>
-                </a:solidFill>
-                <a:effectLst/>
-                <a:latin typeface="D2Coding" panose="020B0609020101020101" pitchFamily="49" charset="-127"/>
-                <a:ea typeface="D2Coding" panose="020B0609020101020101" pitchFamily="49" charset="-127"/>
-              </a:rPr>
-              <a:t>user.email</a:t>
-            </a:r>
-            <a:r>
-              <a:rPr lang="en-US" altLang="ko-KR" sz="1600" b="0" dirty="0">
-                <a:solidFill>
-                  <a:srgbClr val="C00000"/>
-                </a:solidFill>
-                <a:effectLst/>
-                <a:latin typeface="D2Coding" panose="020B0609020101020101" pitchFamily="49" charset="-127"/>
-                <a:ea typeface="D2Coding" panose="020B0609020101020101" pitchFamily="49" charset="-127"/>
-              </a:rPr>
-              <a:t>}&lt;/li&gt;&lt;/</a:t>
-            </a:r>
-            <a:r>
-              <a:rPr lang="en-US" altLang="ko-KR" sz="1600" b="0" dirty="0" err="1">
-                <a:solidFill>
-                  <a:srgbClr val="C00000"/>
-                </a:solidFill>
-                <a:effectLst/>
-                <a:latin typeface="D2Coding" panose="020B0609020101020101" pitchFamily="49" charset="-127"/>
-                <a:ea typeface="D2Coding" panose="020B0609020101020101" pitchFamily="49" charset="-127"/>
-              </a:rPr>
-              <a:t>ul</a:t>
-            </a:r>
-            <a:r>
-              <a:rPr lang="en-US" altLang="ko-KR" sz="1600" b="0" dirty="0">
-                <a:solidFill>
-                  <a:srgbClr val="C00000"/>
-                </a:solidFill>
-                <a:effectLst/>
-                <a:latin typeface="D2Coding" panose="020B0609020101020101" pitchFamily="49" charset="-127"/>
-                <a:ea typeface="D2Coding" panose="020B0609020101020101" pitchFamily="49" charset="-127"/>
-              </a:rPr>
-              <a:t>&gt;`;</a:t>
-            </a:r>
-          </a:p>
-          <a:p>
-            <a:pPr>
-              <a:lnSpc>
-                <a:spcPct val="150000"/>
-              </a:lnSpc>
-            </a:pPr>
-            <a:r>
-              <a:rPr lang="en-US" altLang="ko-KR" sz="1600" b="0" dirty="0">
-                <a:solidFill>
-                  <a:srgbClr val="C00000"/>
-                </a:solidFill>
-                <a:effectLst/>
-                <a:latin typeface="D2Coding" panose="020B0609020101020101" pitchFamily="49" charset="-127"/>
-                <a:ea typeface="D2Coding" panose="020B0609020101020101" pitchFamily="49" charset="-127"/>
-              </a:rPr>
-              <a:t>  });</a:t>
-            </a:r>
-          </a:p>
-          <a:p>
-            <a:pPr>
-              <a:lnSpc>
-                <a:spcPct val="150000"/>
-              </a:lnSpc>
-            </a:pPr>
-            <a:r>
-              <a:rPr lang="en-US" altLang="ko-KR" sz="1600" b="0" dirty="0">
-                <a:solidFill>
-                  <a:srgbClr val="C00000"/>
-                </a:solidFill>
-                <a:effectLst/>
-                <a:latin typeface="D2Coding" panose="020B0609020101020101" pitchFamily="49" charset="-127"/>
-                <a:ea typeface="D2Coding" panose="020B0609020101020101" pitchFamily="49" charset="-127"/>
-              </a:rPr>
-              <a:t>  </a:t>
-            </a:r>
-            <a:r>
-              <a:rPr lang="en-US" altLang="ko-KR" sz="1600" b="0" dirty="0" err="1">
-                <a:solidFill>
-                  <a:srgbClr val="C00000"/>
-                </a:solidFill>
-                <a:effectLst/>
-                <a:latin typeface="D2Coding" panose="020B0609020101020101" pitchFamily="49" charset="-127"/>
-                <a:ea typeface="D2Coding" panose="020B0609020101020101" pitchFamily="49" charset="-127"/>
-              </a:rPr>
-              <a:t>result.innerHTML</a:t>
-            </a:r>
-            <a:r>
-              <a:rPr lang="en-US" altLang="ko-KR" sz="1600" b="0" dirty="0">
-                <a:solidFill>
-                  <a:srgbClr val="C00000"/>
-                </a:solidFill>
-                <a:effectLst/>
-                <a:latin typeface="D2Coding" panose="020B0609020101020101" pitchFamily="49" charset="-127"/>
-                <a:ea typeface="D2Coding" panose="020B0609020101020101" pitchFamily="49" charset="-127"/>
-              </a:rPr>
-              <a:t> = string;</a:t>
-            </a:r>
-          </a:p>
-          <a:p>
-            <a:pPr>
-              <a:lnSpc>
-                <a:spcPct val="150000"/>
-              </a:lnSpc>
-            </a:pPr>
-            <a:r>
-              <a:rPr lang="en-US" altLang="ko-KR" sz="1600" b="0" dirty="0">
-                <a:solidFill>
-                  <a:srgbClr val="C00000"/>
-                </a:solidFill>
-                <a:effectLst/>
-                <a:latin typeface="D2Coding" panose="020B0609020101020101" pitchFamily="49" charset="-127"/>
-                <a:ea typeface="D2Coding" panose="020B0609020101020101" pitchFamily="49" charset="-127"/>
-              </a:rPr>
-              <a:t>}</a:t>
-            </a:r>
-          </a:p>
-          <a:p>
-            <a:pPr>
-              <a:lnSpc>
-                <a:spcPct val="150000"/>
-              </a:lnSpc>
-            </a:pPr>
-            <a:endParaRPr lang="en-US" altLang="ko-KR" sz="1600" b="0" dirty="0">
-              <a:effectLst/>
-              <a:latin typeface="D2Coding" panose="020B0609020101020101" pitchFamily="49" charset="-127"/>
-              <a:ea typeface="D2Coding" panose="020B0609020101020101" pitchFamily="49" charset="-127"/>
-            </a:endParaRPr>
-          </a:p>
-          <a:p>
-            <a:pPr>
-              <a:lnSpc>
-                <a:spcPct val="150000"/>
-              </a:lnSpc>
-            </a:pPr>
-            <a:r>
-              <a:rPr lang="en-US" altLang="ko-KR" sz="1600" b="0" dirty="0" err="1">
-                <a:effectLst/>
-                <a:latin typeface="D2Coding" panose="020B0609020101020101" pitchFamily="49" charset="-127"/>
-                <a:ea typeface="D2Coding" panose="020B0609020101020101" pitchFamily="49" charset="-127"/>
-              </a:rPr>
-              <a:t>init</a:t>
-            </a:r>
-            <a:r>
-              <a:rPr lang="en-US" altLang="ko-KR" sz="1600" b="0" dirty="0">
-                <a:effectLst/>
-                <a:latin typeface="D2Coding" panose="020B0609020101020101" pitchFamily="49" charset="-127"/>
-                <a:ea typeface="D2Coding" panose="020B0609020101020101" pitchFamily="49" charset="-127"/>
-              </a:rPr>
-              <a:t>();</a:t>
-            </a:r>
-          </a:p>
-        </p:txBody>
-      </p:sp>
-      <p:pic>
-        <p:nvPicPr>
-          <p:cNvPr id="4" name="그림 3">
-            <a:extLst>
-              <a:ext uri="{FF2B5EF4-FFF2-40B4-BE49-F238E27FC236}">
-                <a16:creationId xmlns:a16="http://schemas.microsoft.com/office/drawing/2014/main" id="{D9F73C14-1A0E-9555-35D6-8578AF69B615}"/>
-              </a:ext>
-            </a:extLst>
-          </p:cNvPr>
-          <p:cNvPicPr>
-            <a:picLocks noChangeAspect="1"/>
-          </p:cNvPicPr>
-          <p:nvPr/>
-        </p:nvPicPr>
-        <p:blipFill>
-          <a:blip r:embed="rId2"/>
-          <a:stretch>
-            <a:fillRect/>
-          </a:stretch>
-        </p:blipFill>
-        <p:spPr>
-          <a:xfrm>
-            <a:off x="8317925" y="718407"/>
-            <a:ext cx="2348833" cy="5647509"/>
-          </a:xfrm>
-          <a:prstGeom prst="rect">
-            <a:avLst/>
-          </a:prstGeom>
-          <a:ln>
-            <a:solidFill>
-              <a:schemeClr val="bg1">
-                <a:lumMod val="50000"/>
-              </a:schemeClr>
-            </a:solidFill>
-          </a:ln>
-        </p:spPr>
-      </p:pic>
-    </p:spTree>
-    <p:extLst>
-      <p:ext uri="{BB962C8B-B14F-4D97-AF65-F5344CB8AC3E}">
-        <p14:creationId xmlns:p14="http://schemas.microsoft.com/office/powerpoint/2010/main" val="2565800677"/>
-      </p:ext>
-    </p:extLst>
-  </p:cSld>
-  <p:clrMapOvr>
-    <a:masterClrMapping/>
-  </p:clrMapOvr>
-</p:sld>
-</file>
-
-<file path=ppt/slides/slide16.xml><?xml version="1.0" encoding="utf-8"?>
-<p:sld xmlns:a="http://schemas.openxmlformats.org/drawingml/2006/main" xmlns:r="http://schemas.openxmlformats.org/officeDocument/2006/relationships" xmlns:p="http://schemas.openxmlformats.org/presentationml/2006/main">
-  <p:cSld>
-    <p:spTree>
-      <p:nvGrpSpPr>
-        <p:cNvPr id="1" name=""/>
-        <p:cNvGrpSpPr/>
-        <p:nvPr/>
-      </p:nvGrpSpPr>
-      <p:grpSpPr>
-        <a:xfrm>
-          <a:off x="0" y="0"/>
-          <a:ext cx="0" cy="0"/>
-          <a:chOff x="0" y="0"/>
-          <a:chExt cx="0" cy="0"/>
-        </a:xfrm>
-      </p:grpSpPr>
-      <p:sp>
-        <p:nvSpPr>
-          <p:cNvPr id="3" name="TextBox 2">
-            <a:extLst>
-              <a:ext uri="{FF2B5EF4-FFF2-40B4-BE49-F238E27FC236}">
-                <a16:creationId xmlns:a16="http://schemas.microsoft.com/office/drawing/2014/main" id="{B357B6EE-B058-5A63-8CDA-C09CE5B316B9}"/>
-              </a:ext>
-            </a:extLst>
-          </p:cNvPr>
-          <p:cNvSpPr txBox="1"/>
-          <p:nvPr/>
-        </p:nvSpPr>
-        <p:spPr>
-          <a:xfrm>
-            <a:off x="679269" y="610084"/>
-            <a:ext cx="5730240" cy="400110"/>
-          </a:xfrm>
-          <a:prstGeom prst="rect">
-            <a:avLst/>
-          </a:prstGeom>
-          <a:noFill/>
-        </p:spPr>
-        <p:txBody>
-          <a:bodyPr wrap="square" rtlCol="0">
-            <a:spAutoFit/>
-          </a:bodyPr>
-          <a:lstStyle/>
-          <a:p>
-            <a:r>
-              <a:rPr lang="ko-KR" altLang="en-US" sz="2000" b="1" dirty="0">
-                <a:latin typeface="+mn-ea"/>
-              </a:rPr>
-              <a:t>표 형태로 표시하려면</a:t>
-            </a:r>
-            <a:r>
-              <a:rPr lang="en-US" altLang="ko-KR" sz="2000" b="1" dirty="0">
-                <a:latin typeface="+mn-ea"/>
-              </a:rPr>
-              <a:t>?</a:t>
-            </a:r>
-            <a:endParaRPr lang="ko-KR" altLang="en-US" sz="2000" b="1" dirty="0">
-              <a:latin typeface="+mn-ea"/>
-            </a:endParaRPr>
-          </a:p>
-        </p:txBody>
-      </p:sp>
-      <p:pic>
-        <p:nvPicPr>
-          <p:cNvPr id="6" name="그림 5">
-            <a:extLst>
-              <a:ext uri="{FF2B5EF4-FFF2-40B4-BE49-F238E27FC236}">
-                <a16:creationId xmlns:a16="http://schemas.microsoft.com/office/drawing/2014/main" id="{24B64F96-DC1F-1340-D777-EB50995C8D23}"/>
-              </a:ext>
-            </a:extLst>
-          </p:cNvPr>
-          <p:cNvPicPr>
-            <a:picLocks noChangeAspect="1"/>
-          </p:cNvPicPr>
-          <p:nvPr/>
-        </p:nvPicPr>
-        <p:blipFill>
-          <a:blip r:embed="rId2"/>
-          <a:stretch>
-            <a:fillRect/>
-          </a:stretch>
-        </p:blipFill>
-        <p:spPr>
-          <a:xfrm>
-            <a:off x="951782" y="1414181"/>
-            <a:ext cx="10288436" cy="4029637"/>
-          </a:xfrm>
-          <a:prstGeom prst="rect">
-            <a:avLst/>
-          </a:prstGeom>
-          <a:ln>
-            <a:solidFill>
-              <a:schemeClr val="bg1">
-                <a:lumMod val="50000"/>
-              </a:schemeClr>
-            </a:solidFill>
-          </a:ln>
-        </p:spPr>
-      </p:pic>
-    </p:spTree>
-    <p:extLst>
-      <p:ext uri="{BB962C8B-B14F-4D97-AF65-F5344CB8AC3E}">
-        <p14:creationId xmlns:p14="http://schemas.microsoft.com/office/powerpoint/2010/main" val="1484599358"/>
-      </p:ext>
-    </p:extLst>
-  </p:cSld>
-  <p:clrMapOvr>
-    <a:masterClrMapping/>
-  </p:clrMapOvr>
-</p:sld>
-</file>
-
-<file path=ppt/slides/slide17.xml><?xml version="1.0" encoding="utf-8"?>
-<p:sld xmlns:a="http://schemas.openxmlformats.org/drawingml/2006/main" xmlns:r="http://schemas.openxmlformats.org/officeDocument/2006/relationships" xmlns:p="http://schemas.openxmlformats.org/presentationml/2006/main">
-  <p:cSld>
-    <p:spTree>
-      <p:nvGrpSpPr>
-        <p:cNvPr id="1" name=""/>
-        <p:cNvGrpSpPr/>
-        <p:nvPr/>
-      </p:nvGrpSpPr>
-      <p:grpSpPr>
-        <a:xfrm>
-          <a:off x="0" y="0"/>
-          <a:ext cx="0" cy="0"/>
-          <a:chOff x="0" y="0"/>
-          <a:chExt cx="0" cy="0"/>
-        </a:xfrm>
-      </p:grpSpPr>
-      <p:sp>
-        <p:nvSpPr>
-          <p:cNvPr id="3" name="TextBox 2">
-            <a:extLst>
-              <a:ext uri="{FF2B5EF4-FFF2-40B4-BE49-F238E27FC236}">
-                <a16:creationId xmlns:a16="http://schemas.microsoft.com/office/drawing/2014/main" id="{B357B6EE-B058-5A63-8CDA-C09CE5B316B9}"/>
-              </a:ext>
-            </a:extLst>
-          </p:cNvPr>
-          <p:cNvSpPr txBox="1"/>
-          <p:nvPr/>
-        </p:nvSpPr>
-        <p:spPr>
-          <a:xfrm>
-            <a:off x="679269" y="505581"/>
-            <a:ext cx="5730240" cy="954107"/>
-          </a:xfrm>
-          <a:prstGeom prst="rect">
-            <a:avLst/>
-          </a:prstGeom>
-          <a:noFill/>
-        </p:spPr>
-        <p:txBody>
-          <a:bodyPr wrap="square" rtlCol="0">
-            <a:spAutoFit/>
-          </a:bodyPr>
-          <a:lstStyle/>
-          <a:p>
-            <a:r>
-              <a:rPr lang="ko-KR" altLang="en-US" sz="2000" b="1" dirty="0">
-                <a:latin typeface="+mn-ea"/>
-              </a:rPr>
-              <a:t>표 형태로 표시하려면</a:t>
-            </a:r>
-            <a:r>
-              <a:rPr lang="en-US" altLang="ko-KR" sz="2000" b="1" dirty="0">
-                <a:latin typeface="+mn-ea"/>
-              </a:rPr>
-              <a:t>?</a:t>
-            </a:r>
-          </a:p>
-          <a:p>
-            <a:endParaRPr lang="en-US" altLang="ko-KR" sz="2000" b="1" dirty="0">
-              <a:latin typeface="+mn-ea"/>
-            </a:endParaRPr>
-          </a:p>
-          <a:p>
-            <a:r>
-              <a:rPr lang="en-US" altLang="ko-KR" sz="1600" dirty="0">
-                <a:latin typeface="+mn-ea"/>
-              </a:rPr>
-              <a:t>1) </a:t>
-            </a:r>
-            <a:r>
-              <a:rPr lang="ko-KR" altLang="en-US" sz="1600" dirty="0">
-                <a:latin typeface="+mn-ea"/>
-              </a:rPr>
-              <a:t>표 관련 태그를 사용해 화면에 표시</a:t>
-            </a:r>
-          </a:p>
-        </p:txBody>
-      </p:sp>
-      <p:sp>
-        <p:nvSpPr>
-          <p:cNvPr id="2" name="TextBox 1">
-            <a:extLst>
-              <a:ext uri="{FF2B5EF4-FFF2-40B4-BE49-F238E27FC236}">
-                <a16:creationId xmlns:a16="http://schemas.microsoft.com/office/drawing/2014/main" id="{B2DC5125-BC1C-F068-5832-90452364DD28}"/>
-              </a:ext>
-            </a:extLst>
-          </p:cNvPr>
-          <p:cNvSpPr txBox="1"/>
-          <p:nvPr/>
-        </p:nvSpPr>
-        <p:spPr>
-          <a:xfrm>
-            <a:off x="748937" y="1741715"/>
-            <a:ext cx="8725989" cy="4117153"/>
-          </a:xfrm>
-          <a:prstGeom prst="rect">
-            <a:avLst/>
-          </a:prstGeom>
-          <a:noFill/>
-          <a:ln>
-            <a:solidFill>
-              <a:schemeClr val="bg1">
-                <a:lumMod val="50000"/>
-              </a:schemeClr>
-            </a:solidFill>
-          </a:ln>
-        </p:spPr>
-        <p:txBody>
-          <a:bodyPr wrap="square">
-            <a:spAutoFit/>
-          </a:bodyPr>
-          <a:lstStyle/>
-          <a:p>
-            <a:pPr>
-              <a:lnSpc>
-                <a:spcPct val="150000"/>
-              </a:lnSpc>
-            </a:pPr>
-            <a:r>
-              <a:rPr lang="en-US" altLang="ko-KR" sz="1600" b="0" dirty="0">
-                <a:effectLst/>
-                <a:latin typeface="D2Coding" panose="020B0609020101020101" pitchFamily="49" charset="-127"/>
-                <a:ea typeface="D2Coding" panose="020B0609020101020101" pitchFamily="49" charset="-127"/>
-              </a:rPr>
-              <a:t>……</a:t>
-            </a:r>
-          </a:p>
-          <a:p>
-            <a:pPr>
-              <a:lnSpc>
-                <a:spcPct val="150000"/>
-              </a:lnSpc>
-            </a:pPr>
-            <a:r>
-              <a:rPr lang="en-US" altLang="ko-KR" sz="1600" b="0" dirty="0">
-                <a:effectLst/>
-                <a:latin typeface="D2Coding" panose="020B0609020101020101" pitchFamily="49" charset="-127"/>
-                <a:ea typeface="D2Coding" panose="020B0609020101020101" pitchFamily="49" charset="-127"/>
-              </a:rPr>
-              <a:t>function display(users) {</a:t>
-            </a:r>
-          </a:p>
-          <a:p>
-            <a:pPr>
-              <a:lnSpc>
-                <a:spcPct val="150000"/>
-              </a:lnSpc>
-            </a:pPr>
-            <a:r>
-              <a:rPr lang="en-US" altLang="ko-KR" sz="1600" b="0" dirty="0">
-                <a:effectLst/>
-                <a:latin typeface="D2Coding" panose="020B0609020101020101" pitchFamily="49" charset="-127"/>
-                <a:ea typeface="D2Coding" panose="020B0609020101020101" pitchFamily="49" charset="-127"/>
-              </a:rPr>
-              <a:t>  const result = </a:t>
-            </a:r>
-            <a:r>
-              <a:rPr lang="en-US" altLang="ko-KR" sz="1600" b="0" dirty="0" err="1">
-                <a:effectLst/>
-                <a:latin typeface="D2Coding" panose="020B0609020101020101" pitchFamily="49" charset="-127"/>
-                <a:ea typeface="D2Coding" panose="020B0609020101020101" pitchFamily="49" charset="-127"/>
-              </a:rPr>
-              <a:t>document.querySelector</a:t>
-            </a:r>
-            <a:r>
-              <a:rPr lang="en-US" altLang="ko-KR" sz="1600" b="0" dirty="0">
-                <a:effectLst/>
-                <a:latin typeface="D2Coding" panose="020B0609020101020101" pitchFamily="49" charset="-127"/>
-                <a:ea typeface="D2Coding" panose="020B0609020101020101" pitchFamily="49" charset="-127"/>
-              </a:rPr>
-              <a:t>("#result");</a:t>
-            </a:r>
-          </a:p>
-          <a:p>
-            <a:pPr>
-              <a:lnSpc>
-                <a:spcPct val="150000"/>
-              </a:lnSpc>
-            </a:pPr>
-            <a:r>
-              <a:rPr lang="en-US" altLang="ko-KR" sz="1600" b="0" dirty="0">
-                <a:effectLst/>
-                <a:latin typeface="D2Coding" panose="020B0609020101020101" pitchFamily="49" charset="-127"/>
-                <a:ea typeface="D2Coding" panose="020B0609020101020101" pitchFamily="49" charset="-127"/>
-              </a:rPr>
-              <a:t>  let string = "";</a:t>
-            </a:r>
-          </a:p>
-          <a:p>
-            <a:pPr>
-              <a:lnSpc>
-                <a:spcPct val="150000"/>
-              </a:lnSpc>
-            </a:pPr>
-            <a:r>
-              <a:rPr lang="en-US" altLang="ko-KR" sz="1600" b="0" dirty="0">
-                <a:effectLst/>
-                <a:latin typeface="D2Coding" panose="020B0609020101020101" pitchFamily="49" charset="-127"/>
-                <a:ea typeface="D2Coding" panose="020B0609020101020101" pitchFamily="49" charset="-127"/>
-              </a:rPr>
-              <a:t>  </a:t>
-            </a:r>
-            <a:r>
-              <a:rPr lang="en-US" altLang="ko-KR" sz="1600" b="0" dirty="0" err="1">
-                <a:effectLst/>
-                <a:latin typeface="D2Coding" panose="020B0609020101020101" pitchFamily="49" charset="-127"/>
-                <a:ea typeface="D2Coding" panose="020B0609020101020101" pitchFamily="49" charset="-127"/>
-              </a:rPr>
-              <a:t>users.forEach</a:t>
-            </a:r>
-            <a:r>
-              <a:rPr lang="en-US" altLang="ko-KR" sz="1600" b="0" dirty="0">
-                <a:effectLst/>
-                <a:latin typeface="D2Coding" panose="020B0609020101020101" pitchFamily="49" charset="-127"/>
-                <a:ea typeface="D2Coding" panose="020B0609020101020101" pitchFamily="49" charset="-127"/>
-              </a:rPr>
-              <a:t>(user =&gt; {</a:t>
-            </a:r>
-          </a:p>
-          <a:p>
-            <a:pPr>
-              <a:lnSpc>
-                <a:spcPct val="150000"/>
-              </a:lnSpc>
-            </a:pPr>
-            <a:r>
-              <a:rPr lang="en-US" altLang="ko-KR" sz="1600" b="0" dirty="0">
-                <a:solidFill>
-                  <a:srgbClr val="C00000"/>
-                </a:solidFill>
-                <a:effectLst/>
-                <a:latin typeface="D2Coding" panose="020B0609020101020101" pitchFamily="49" charset="-127"/>
-                <a:ea typeface="D2Coding" panose="020B0609020101020101" pitchFamily="49" charset="-127"/>
-              </a:rPr>
-              <a:t>    string += `&lt;table&gt;&lt;tr&gt;&lt;</a:t>
-            </a:r>
-            <a:r>
-              <a:rPr lang="en-US" altLang="ko-KR" sz="1600" b="0" dirty="0" err="1">
-                <a:solidFill>
-                  <a:srgbClr val="C00000"/>
-                </a:solidFill>
-                <a:effectLst/>
-                <a:latin typeface="D2Coding" panose="020B0609020101020101" pitchFamily="49" charset="-127"/>
-                <a:ea typeface="D2Coding" panose="020B0609020101020101" pitchFamily="49" charset="-127"/>
-              </a:rPr>
-              <a:t>th</a:t>
-            </a:r>
-            <a:r>
-              <a:rPr lang="en-US" altLang="ko-KR" sz="1600" b="0" dirty="0">
-                <a:solidFill>
-                  <a:srgbClr val="C00000"/>
-                </a:solidFill>
-                <a:effectLst/>
-                <a:latin typeface="D2Coding" panose="020B0609020101020101" pitchFamily="49" charset="-127"/>
-                <a:ea typeface="D2Coding" panose="020B0609020101020101" pitchFamily="49" charset="-127"/>
-              </a:rPr>
-              <a:t>&gt;</a:t>
-            </a:r>
-            <a:r>
-              <a:rPr lang="ko-KR" altLang="en-US" sz="1600" b="0" dirty="0">
-                <a:solidFill>
-                  <a:srgbClr val="C00000"/>
-                </a:solidFill>
-                <a:effectLst/>
-                <a:latin typeface="D2Coding" panose="020B0609020101020101" pitchFamily="49" charset="-127"/>
-                <a:ea typeface="D2Coding" panose="020B0609020101020101" pitchFamily="49" charset="-127"/>
-              </a:rPr>
-              <a:t>이름</a:t>
-            </a:r>
-            <a:r>
-              <a:rPr lang="en-US" altLang="ko-KR" sz="1600" b="0" dirty="0">
-                <a:solidFill>
-                  <a:srgbClr val="C00000"/>
-                </a:solidFill>
-                <a:effectLst/>
-                <a:latin typeface="D2Coding" panose="020B0609020101020101" pitchFamily="49" charset="-127"/>
-                <a:ea typeface="D2Coding" panose="020B0609020101020101" pitchFamily="49" charset="-127"/>
-              </a:rPr>
-              <a:t>&lt;/</a:t>
-            </a:r>
-            <a:r>
-              <a:rPr lang="en-US" altLang="ko-KR" sz="1600" b="0" dirty="0" err="1">
-                <a:solidFill>
-                  <a:srgbClr val="C00000"/>
-                </a:solidFill>
-                <a:effectLst/>
-                <a:latin typeface="D2Coding" panose="020B0609020101020101" pitchFamily="49" charset="-127"/>
-                <a:ea typeface="D2Coding" panose="020B0609020101020101" pitchFamily="49" charset="-127"/>
-              </a:rPr>
-              <a:t>th</a:t>
-            </a:r>
-            <a:r>
-              <a:rPr lang="en-US" altLang="ko-KR" sz="1600" b="0" dirty="0">
-                <a:solidFill>
-                  <a:srgbClr val="C00000"/>
-                </a:solidFill>
-                <a:effectLst/>
-                <a:latin typeface="D2Coding" panose="020B0609020101020101" pitchFamily="49" charset="-127"/>
-                <a:ea typeface="D2Coding" panose="020B0609020101020101" pitchFamily="49" charset="-127"/>
-              </a:rPr>
-              <a:t>&gt;&lt;td&gt;${user.name}&lt;/td&gt;&lt;/tr&gt;</a:t>
-            </a:r>
-          </a:p>
-          <a:p>
-            <a:pPr>
-              <a:lnSpc>
-                <a:spcPct val="150000"/>
-              </a:lnSpc>
-            </a:pPr>
-            <a:r>
-              <a:rPr lang="en-US" altLang="ko-KR" sz="1600" b="0" dirty="0">
-                <a:solidFill>
-                  <a:srgbClr val="C00000"/>
-                </a:solidFill>
-                <a:effectLst/>
-                <a:latin typeface="D2Coding" panose="020B0609020101020101" pitchFamily="49" charset="-127"/>
-                <a:ea typeface="D2Coding" panose="020B0609020101020101" pitchFamily="49" charset="-127"/>
-              </a:rPr>
-              <a:t>              &lt;tr&gt;&lt;</a:t>
-            </a:r>
-            <a:r>
-              <a:rPr lang="en-US" altLang="ko-KR" sz="1600" b="0" dirty="0" err="1">
-                <a:solidFill>
-                  <a:srgbClr val="C00000"/>
-                </a:solidFill>
-                <a:effectLst/>
-                <a:latin typeface="D2Coding" panose="020B0609020101020101" pitchFamily="49" charset="-127"/>
-                <a:ea typeface="D2Coding" panose="020B0609020101020101" pitchFamily="49" charset="-127"/>
-              </a:rPr>
-              <a:t>th</a:t>
-            </a:r>
-            <a:r>
-              <a:rPr lang="en-US" altLang="ko-KR" sz="1600" b="0" dirty="0">
-                <a:solidFill>
-                  <a:srgbClr val="C00000"/>
-                </a:solidFill>
-                <a:effectLst/>
-                <a:latin typeface="D2Coding" panose="020B0609020101020101" pitchFamily="49" charset="-127"/>
-                <a:ea typeface="D2Coding" panose="020B0609020101020101" pitchFamily="49" charset="-127"/>
-              </a:rPr>
-              <a:t>&gt;</a:t>
-            </a:r>
-            <a:r>
-              <a:rPr lang="ko-KR" altLang="en-US" sz="1600" b="0" dirty="0">
-                <a:solidFill>
-                  <a:srgbClr val="C00000"/>
-                </a:solidFill>
-                <a:effectLst/>
-                <a:latin typeface="D2Coding" panose="020B0609020101020101" pitchFamily="49" charset="-127"/>
-                <a:ea typeface="D2Coding" panose="020B0609020101020101" pitchFamily="49" charset="-127"/>
-              </a:rPr>
-              <a:t>아이디</a:t>
-            </a:r>
-            <a:r>
-              <a:rPr lang="en-US" altLang="ko-KR" sz="1600" b="0" dirty="0">
-                <a:solidFill>
-                  <a:srgbClr val="C00000"/>
-                </a:solidFill>
-                <a:effectLst/>
-                <a:latin typeface="D2Coding" panose="020B0609020101020101" pitchFamily="49" charset="-127"/>
-                <a:ea typeface="D2Coding" panose="020B0609020101020101" pitchFamily="49" charset="-127"/>
-              </a:rPr>
-              <a:t>&lt;/</a:t>
-            </a:r>
-            <a:r>
-              <a:rPr lang="en-US" altLang="ko-KR" sz="1600" b="0" dirty="0" err="1">
-                <a:solidFill>
-                  <a:srgbClr val="C00000"/>
-                </a:solidFill>
-                <a:effectLst/>
-                <a:latin typeface="D2Coding" panose="020B0609020101020101" pitchFamily="49" charset="-127"/>
-                <a:ea typeface="D2Coding" panose="020B0609020101020101" pitchFamily="49" charset="-127"/>
-              </a:rPr>
-              <a:t>th</a:t>
-            </a:r>
-            <a:r>
-              <a:rPr lang="en-US" altLang="ko-KR" sz="1600" b="0" dirty="0">
-                <a:solidFill>
-                  <a:srgbClr val="C00000"/>
-                </a:solidFill>
-                <a:effectLst/>
-                <a:latin typeface="D2Coding" panose="020B0609020101020101" pitchFamily="49" charset="-127"/>
-                <a:ea typeface="D2Coding" panose="020B0609020101020101" pitchFamily="49" charset="-127"/>
-              </a:rPr>
-              <a:t>&gt;&lt;td&gt;${</a:t>
-            </a:r>
-            <a:r>
-              <a:rPr lang="en-US" altLang="ko-KR" sz="1600" b="0" dirty="0" err="1">
-                <a:solidFill>
-                  <a:srgbClr val="C00000"/>
-                </a:solidFill>
-                <a:effectLst/>
-                <a:latin typeface="D2Coding" panose="020B0609020101020101" pitchFamily="49" charset="-127"/>
-                <a:ea typeface="D2Coding" panose="020B0609020101020101" pitchFamily="49" charset="-127"/>
-              </a:rPr>
-              <a:t>user.username</a:t>
-            </a:r>
-            <a:r>
-              <a:rPr lang="en-US" altLang="ko-KR" sz="1600" b="0" dirty="0">
-                <a:solidFill>
-                  <a:srgbClr val="C00000"/>
-                </a:solidFill>
-                <a:effectLst/>
-                <a:latin typeface="D2Coding" panose="020B0609020101020101" pitchFamily="49" charset="-127"/>
-                <a:ea typeface="D2Coding" panose="020B0609020101020101" pitchFamily="49" charset="-127"/>
-              </a:rPr>
-              <a:t>}&lt;/td&gt;&lt;/tr&gt;</a:t>
-            </a:r>
-          </a:p>
-          <a:p>
-            <a:pPr>
-              <a:lnSpc>
-                <a:spcPct val="150000"/>
-              </a:lnSpc>
-            </a:pPr>
-            <a:r>
-              <a:rPr lang="en-US" altLang="ko-KR" sz="1600" b="0" dirty="0">
-                <a:solidFill>
-                  <a:srgbClr val="C00000"/>
-                </a:solidFill>
-                <a:effectLst/>
-                <a:latin typeface="D2Coding" panose="020B0609020101020101" pitchFamily="49" charset="-127"/>
-                <a:ea typeface="D2Coding" panose="020B0609020101020101" pitchFamily="49" charset="-127"/>
-              </a:rPr>
-              <a:t>              &lt;tr&gt;&lt;</a:t>
-            </a:r>
-            <a:r>
-              <a:rPr lang="en-US" altLang="ko-KR" sz="1600" b="0" dirty="0" err="1">
-                <a:solidFill>
-                  <a:srgbClr val="C00000"/>
-                </a:solidFill>
-                <a:effectLst/>
-                <a:latin typeface="D2Coding" panose="020B0609020101020101" pitchFamily="49" charset="-127"/>
-                <a:ea typeface="D2Coding" panose="020B0609020101020101" pitchFamily="49" charset="-127"/>
-              </a:rPr>
-              <a:t>th</a:t>
-            </a:r>
-            <a:r>
-              <a:rPr lang="en-US" altLang="ko-KR" sz="1600" b="0" dirty="0">
-                <a:solidFill>
-                  <a:srgbClr val="C00000"/>
-                </a:solidFill>
-                <a:effectLst/>
-                <a:latin typeface="D2Coding" panose="020B0609020101020101" pitchFamily="49" charset="-127"/>
-                <a:ea typeface="D2Coding" panose="020B0609020101020101" pitchFamily="49" charset="-127"/>
-              </a:rPr>
-              <a:t>&gt;</a:t>
-            </a:r>
-            <a:r>
-              <a:rPr lang="ko-KR" altLang="en-US" sz="1600" b="0" dirty="0">
-                <a:solidFill>
-                  <a:srgbClr val="C00000"/>
-                </a:solidFill>
-                <a:effectLst/>
-                <a:latin typeface="D2Coding" panose="020B0609020101020101" pitchFamily="49" charset="-127"/>
-                <a:ea typeface="D2Coding" panose="020B0609020101020101" pitchFamily="49" charset="-127"/>
-              </a:rPr>
-              <a:t>이메일</a:t>
-            </a:r>
-            <a:r>
-              <a:rPr lang="en-US" altLang="ko-KR" sz="1600" b="0" dirty="0">
-                <a:solidFill>
-                  <a:srgbClr val="C00000"/>
-                </a:solidFill>
-                <a:effectLst/>
-                <a:latin typeface="D2Coding" panose="020B0609020101020101" pitchFamily="49" charset="-127"/>
-                <a:ea typeface="D2Coding" panose="020B0609020101020101" pitchFamily="49" charset="-127"/>
-              </a:rPr>
-              <a:t>&lt;/</a:t>
-            </a:r>
-            <a:r>
-              <a:rPr lang="en-US" altLang="ko-KR" sz="1600" b="0" dirty="0" err="1">
-                <a:solidFill>
-                  <a:srgbClr val="C00000"/>
-                </a:solidFill>
-                <a:effectLst/>
-                <a:latin typeface="D2Coding" panose="020B0609020101020101" pitchFamily="49" charset="-127"/>
-                <a:ea typeface="D2Coding" panose="020B0609020101020101" pitchFamily="49" charset="-127"/>
-              </a:rPr>
-              <a:t>th</a:t>
-            </a:r>
-            <a:r>
-              <a:rPr lang="en-US" altLang="ko-KR" sz="1600" b="0" dirty="0">
-                <a:solidFill>
-                  <a:srgbClr val="C00000"/>
-                </a:solidFill>
-                <a:effectLst/>
-                <a:latin typeface="D2Coding" panose="020B0609020101020101" pitchFamily="49" charset="-127"/>
-                <a:ea typeface="D2Coding" panose="020B0609020101020101" pitchFamily="49" charset="-127"/>
-              </a:rPr>
-              <a:t>&gt;&lt;td&gt;${</a:t>
-            </a:r>
-            <a:r>
-              <a:rPr lang="en-US" altLang="ko-KR" sz="1600" b="0" dirty="0" err="1">
-                <a:solidFill>
-                  <a:srgbClr val="C00000"/>
-                </a:solidFill>
-                <a:effectLst/>
-                <a:latin typeface="D2Coding" panose="020B0609020101020101" pitchFamily="49" charset="-127"/>
-                <a:ea typeface="D2Coding" panose="020B0609020101020101" pitchFamily="49" charset="-127"/>
-              </a:rPr>
-              <a:t>user.email</a:t>
-            </a:r>
-            <a:r>
-              <a:rPr lang="en-US" altLang="ko-KR" sz="1600" b="0" dirty="0">
-                <a:solidFill>
-                  <a:srgbClr val="C00000"/>
-                </a:solidFill>
-                <a:effectLst/>
-                <a:latin typeface="D2Coding" panose="020B0609020101020101" pitchFamily="49" charset="-127"/>
-                <a:ea typeface="D2Coding" panose="020B0609020101020101" pitchFamily="49" charset="-127"/>
-              </a:rPr>
-              <a:t>}&lt;/td&gt;&lt;/tr&gt;&lt;/table&gt;`;</a:t>
-            </a:r>
-          </a:p>
-          <a:p>
-            <a:pPr>
-              <a:lnSpc>
-                <a:spcPct val="150000"/>
-              </a:lnSpc>
-            </a:pPr>
-            <a:r>
-              <a:rPr lang="en-US" altLang="ko-KR" sz="1600" b="0" dirty="0">
-                <a:effectLst/>
-                <a:latin typeface="D2Coding" panose="020B0609020101020101" pitchFamily="49" charset="-127"/>
-                <a:ea typeface="D2Coding" panose="020B0609020101020101" pitchFamily="49" charset="-127"/>
-              </a:rPr>
-              <a:t>  });</a:t>
-            </a:r>
-          </a:p>
-          <a:p>
-            <a:pPr>
-              <a:lnSpc>
-                <a:spcPct val="150000"/>
-              </a:lnSpc>
-            </a:pPr>
-            <a:r>
-              <a:rPr lang="en-US" altLang="ko-KR" sz="1600" b="0" dirty="0">
-                <a:effectLst/>
-                <a:latin typeface="D2Coding" panose="020B0609020101020101" pitchFamily="49" charset="-127"/>
-                <a:ea typeface="D2Coding" panose="020B0609020101020101" pitchFamily="49" charset="-127"/>
-              </a:rPr>
-              <a:t>  </a:t>
-            </a:r>
-            <a:r>
-              <a:rPr lang="en-US" altLang="ko-KR" sz="1600" b="0" dirty="0" err="1">
-                <a:effectLst/>
-                <a:latin typeface="D2Coding" panose="020B0609020101020101" pitchFamily="49" charset="-127"/>
-                <a:ea typeface="D2Coding" panose="020B0609020101020101" pitchFamily="49" charset="-127"/>
-              </a:rPr>
-              <a:t>result.innerHTML</a:t>
-            </a:r>
-            <a:r>
-              <a:rPr lang="en-US" altLang="ko-KR" sz="1600" b="0" dirty="0">
-                <a:effectLst/>
-                <a:latin typeface="D2Coding" panose="020B0609020101020101" pitchFamily="49" charset="-127"/>
-                <a:ea typeface="D2Coding" panose="020B0609020101020101" pitchFamily="49" charset="-127"/>
-              </a:rPr>
-              <a:t> = string;</a:t>
-            </a:r>
-          </a:p>
-          <a:p>
-            <a:pPr>
-              <a:lnSpc>
-                <a:spcPct val="150000"/>
-              </a:lnSpc>
-            </a:pPr>
-            <a:r>
-              <a:rPr lang="en-US" altLang="ko-KR" sz="1600" b="0" dirty="0">
-                <a:effectLst/>
-                <a:latin typeface="D2Coding" panose="020B0609020101020101" pitchFamily="49" charset="-127"/>
-                <a:ea typeface="D2Coding" panose="020B0609020101020101" pitchFamily="49" charset="-127"/>
-              </a:rPr>
-              <a:t>}</a:t>
-            </a:r>
-          </a:p>
-        </p:txBody>
-      </p:sp>
-    </p:spTree>
-    <p:extLst>
-      <p:ext uri="{BB962C8B-B14F-4D97-AF65-F5344CB8AC3E}">
-        <p14:creationId xmlns:p14="http://schemas.microsoft.com/office/powerpoint/2010/main" val="3614913505"/>
-      </p:ext>
-    </p:extLst>
-  </p:cSld>
-  <p:clrMapOvr>
-    <a:masterClrMapping/>
-  </p:clrMapOvr>
-</p:sld>
-</file>
-
-<file path=ppt/slides/slide18.xml><?xml version="1.0" encoding="utf-8"?>
-<p:sld xmlns:a="http://schemas.openxmlformats.org/drawingml/2006/main" xmlns:r="http://schemas.openxmlformats.org/officeDocument/2006/relationships" xmlns:p="http://schemas.openxmlformats.org/presentationml/2006/main">
-  <p:cSld>
-    <p:spTree>
-      <p:nvGrpSpPr>
-        <p:cNvPr id="1" name=""/>
-        <p:cNvGrpSpPr/>
-        <p:nvPr/>
-      </p:nvGrpSpPr>
-      <p:grpSpPr>
-        <a:xfrm>
-          <a:off x="0" y="0"/>
-          <a:ext cx="0" cy="0"/>
-          <a:chOff x="0" y="0"/>
-          <a:chExt cx="0" cy="0"/>
-        </a:xfrm>
-      </p:grpSpPr>
-      <p:sp>
-        <p:nvSpPr>
-          <p:cNvPr id="3" name="TextBox 2">
-            <a:extLst>
-              <a:ext uri="{FF2B5EF4-FFF2-40B4-BE49-F238E27FC236}">
-                <a16:creationId xmlns:a16="http://schemas.microsoft.com/office/drawing/2014/main" id="{B357B6EE-B058-5A63-8CDA-C09CE5B316B9}"/>
-              </a:ext>
-            </a:extLst>
-          </p:cNvPr>
-          <p:cNvSpPr txBox="1"/>
-          <p:nvPr/>
-        </p:nvSpPr>
-        <p:spPr>
-          <a:xfrm>
-            <a:off x="679269" y="505581"/>
-            <a:ext cx="5730240" cy="954107"/>
-          </a:xfrm>
-          <a:prstGeom prst="rect">
-            <a:avLst/>
-          </a:prstGeom>
-          <a:noFill/>
-        </p:spPr>
-        <p:txBody>
-          <a:bodyPr wrap="square" rtlCol="0">
-            <a:spAutoFit/>
-          </a:bodyPr>
-          <a:lstStyle/>
-          <a:p>
-            <a:r>
-              <a:rPr lang="ko-KR" altLang="en-US" sz="2000" b="1" dirty="0">
-                <a:latin typeface="+mn-ea"/>
-              </a:rPr>
-              <a:t>표 형태로 표시하려면</a:t>
-            </a:r>
-            <a:r>
-              <a:rPr lang="en-US" altLang="ko-KR" sz="2000" b="1" dirty="0">
-                <a:latin typeface="+mn-ea"/>
-              </a:rPr>
-              <a:t>?</a:t>
-            </a:r>
-          </a:p>
-          <a:p>
-            <a:endParaRPr lang="en-US" altLang="ko-KR" sz="2000" b="1" dirty="0">
-              <a:latin typeface="+mn-ea"/>
-            </a:endParaRPr>
-          </a:p>
-          <a:p>
-            <a:r>
-              <a:rPr lang="en-US" altLang="ko-KR" sz="1600" dirty="0">
-                <a:latin typeface="+mn-ea"/>
-              </a:rPr>
-              <a:t>2) </a:t>
-            </a:r>
-            <a:r>
-              <a:rPr lang="ko-KR" altLang="en-US" sz="1600" dirty="0">
-                <a:latin typeface="+mn-ea"/>
-              </a:rPr>
-              <a:t>표 관련 스타일 추가 </a:t>
-            </a:r>
-            <a:r>
-              <a:rPr lang="en-US" altLang="ko-KR" sz="1600" dirty="0">
-                <a:latin typeface="+mn-ea"/>
-              </a:rPr>
-              <a:t>(</a:t>
-            </a:r>
-            <a:r>
-              <a:rPr lang="ko-KR" altLang="en-US" sz="1600" dirty="0">
-                <a:latin typeface="+mn-ea"/>
-              </a:rPr>
-              <a:t>여기에서는 </a:t>
-            </a:r>
-            <a:r>
-              <a:rPr lang="en-US" altLang="ko-KR" sz="1600" dirty="0">
-                <a:latin typeface="+mn-ea"/>
-              </a:rPr>
-              <a:t>html </a:t>
-            </a:r>
-            <a:r>
-              <a:rPr lang="ko-KR" altLang="en-US" sz="1600" dirty="0">
-                <a:latin typeface="+mn-ea"/>
-              </a:rPr>
-              <a:t>문서 안에</a:t>
-            </a:r>
-            <a:r>
-              <a:rPr lang="en-US" altLang="ko-KR" sz="1600" dirty="0">
-                <a:latin typeface="+mn-ea"/>
-              </a:rPr>
-              <a:t>)</a:t>
-            </a:r>
-            <a:endParaRPr lang="ko-KR" altLang="en-US" sz="1600" dirty="0">
-              <a:latin typeface="+mn-ea"/>
-            </a:endParaRPr>
-          </a:p>
-        </p:txBody>
-      </p:sp>
-      <p:sp>
-        <p:nvSpPr>
-          <p:cNvPr id="2" name="TextBox 1">
-            <a:extLst>
-              <a:ext uri="{FF2B5EF4-FFF2-40B4-BE49-F238E27FC236}">
-                <a16:creationId xmlns:a16="http://schemas.microsoft.com/office/drawing/2014/main" id="{B2DC5125-BC1C-F068-5832-90452364DD28}"/>
-              </a:ext>
-            </a:extLst>
-          </p:cNvPr>
-          <p:cNvSpPr txBox="1"/>
-          <p:nvPr/>
-        </p:nvSpPr>
-        <p:spPr>
-          <a:xfrm>
-            <a:off x="748938" y="1611086"/>
-            <a:ext cx="4145280" cy="3747821"/>
-          </a:xfrm>
-          <a:prstGeom prst="rect">
-            <a:avLst/>
-          </a:prstGeom>
-          <a:noFill/>
-          <a:ln>
-            <a:solidFill>
-              <a:schemeClr val="bg1">
-                <a:lumMod val="50000"/>
-              </a:schemeClr>
-            </a:solidFill>
-          </a:ln>
-        </p:spPr>
-        <p:txBody>
-          <a:bodyPr wrap="square">
-            <a:spAutoFit/>
-          </a:bodyPr>
-          <a:lstStyle/>
-          <a:p>
-            <a:pPr algn="just">
-              <a:lnSpc>
-                <a:spcPct val="150000"/>
-              </a:lnSpc>
-            </a:pPr>
-            <a:r>
-              <a:rPr lang="en-US" altLang="ko-KR" sz="1600" b="0" i="0" u="none" strike="noStrike" baseline="0" dirty="0">
-                <a:solidFill>
-                  <a:srgbClr val="211D1E"/>
-                </a:solidFill>
-                <a:latin typeface="D2Coding" panose="020B0609020101020101" pitchFamily="49" charset="-127"/>
-                <a:ea typeface="D2Coding" panose="020B0609020101020101" pitchFamily="49" charset="-127"/>
-              </a:rPr>
-              <a:t>&lt;style&gt; </a:t>
-            </a:r>
-          </a:p>
-          <a:p>
-            <a:pPr algn="just">
-              <a:lnSpc>
-                <a:spcPct val="150000"/>
-              </a:lnSpc>
-            </a:pPr>
-            <a:r>
-              <a:rPr lang="en-US" altLang="ko-KR" sz="1600" b="0" i="0" u="none" strike="noStrike" baseline="0" dirty="0">
-                <a:solidFill>
-                  <a:srgbClr val="211D1E"/>
-                </a:solidFill>
-                <a:latin typeface="D2Coding" panose="020B0609020101020101" pitchFamily="49" charset="-127"/>
-                <a:ea typeface="D2Coding" panose="020B0609020101020101" pitchFamily="49" charset="-127"/>
-              </a:rPr>
-              <a:t>  table { </a:t>
-            </a:r>
-          </a:p>
-          <a:p>
-            <a:pPr algn="just">
-              <a:lnSpc>
-                <a:spcPct val="150000"/>
-              </a:lnSpc>
-            </a:pPr>
-            <a:r>
-              <a:rPr lang="en-US" altLang="ko-KR" sz="1600" b="0" i="0" u="none" strike="noStrike" baseline="0" dirty="0">
-                <a:solidFill>
-                  <a:srgbClr val="211D1E"/>
-                </a:solidFill>
-                <a:latin typeface="D2Coding" panose="020B0609020101020101" pitchFamily="49" charset="-127"/>
-                <a:ea typeface="D2Coding" panose="020B0609020101020101" pitchFamily="49" charset="-127"/>
-              </a:rPr>
-              <a:t>    </a:t>
-            </a:r>
-            <a:r>
-              <a:rPr lang="en-US" altLang="ko-KR" sz="1600" b="0" i="0" u="none" strike="noStrike" baseline="0" dirty="0" err="1">
-                <a:solidFill>
-                  <a:srgbClr val="211D1E"/>
-                </a:solidFill>
-                <a:latin typeface="D2Coding" panose="020B0609020101020101" pitchFamily="49" charset="-127"/>
-                <a:ea typeface="D2Coding" panose="020B0609020101020101" pitchFamily="49" charset="-127"/>
-              </a:rPr>
-              <a:t>display:inline-block</a:t>
-            </a:r>
-            <a:r>
-              <a:rPr lang="en-US" altLang="ko-KR" sz="1600" b="0" i="0" u="none" strike="noStrike" baseline="0" dirty="0">
-                <a:solidFill>
-                  <a:srgbClr val="211D1E"/>
-                </a:solidFill>
-                <a:latin typeface="D2Coding" panose="020B0609020101020101" pitchFamily="49" charset="-127"/>
-                <a:ea typeface="D2Coding" panose="020B0609020101020101" pitchFamily="49" charset="-127"/>
-              </a:rPr>
-              <a:t>; </a:t>
-            </a:r>
-          </a:p>
-          <a:p>
-            <a:pPr algn="just">
-              <a:lnSpc>
-                <a:spcPct val="150000"/>
-              </a:lnSpc>
-            </a:pPr>
-            <a:r>
-              <a:rPr lang="en-US" altLang="ko-KR" sz="1600" b="0" i="0" u="none" strike="noStrike" baseline="0" dirty="0">
-                <a:solidFill>
-                  <a:srgbClr val="211D1E"/>
-                </a:solidFill>
-                <a:latin typeface="D2Coding" panose="020B0609020101020101" pitchFamily="49" charset="-127"/>
-                <a:ea typeface="D2Coding" panose="020B0609020101020101" pitchFamily="49" charset="-127"/>
-              </a:rPr>
-              <a:t>    width:300px; </a:t>
-            </a:r>
-          </a:p>
-          <a:p>
-            <a:pPr algn="just">
-              <a:lnSpc>
-                <a:spcPct val="150000"/>
-              </a:lnSpc>
-            </a:pPr>
-            <a:r>
-              <a:rPr lang="en-US" altLang="ko-KR" sz="1600" b="0" i="0" u="none" strike="noStrike" baseline="0" dirty="0">
-                <a:solidFill>
-                  <a:srgbClr val="211D1E"/>
-                </a:solidFill>
-                <a:latin typeface="D2Coding" panose="020B0609020101020101" pitchFamily="49" charset="-127"/>
-                <a:ea typeface="D2Coding" panose="020B0609020101020101" pitchFamily="49" charset="-127"/>
-              </a:rPr>
-              <a:t>    margin:10px; </a:t>
-            </a:r>
-          </a:p>
-          <a:p>
-            <a:pPr algn="just">
-              <a:lnSpc>
-                <a:spcPct val="150000"/>
-              </a:lnSpc>
-            </a:pPr>
-            <a:r>
-              <a:rPr lang="en-US" altLang="ko-KR" sz="1600" b="0" i="0" u="none" strike="noStrike" baseline="0" dirty="0">
-                <a:solidFill>
-                  <a:srgbClr val="211D1E"/>
-                </a:solidFill>
-                <a:latin typeface="D2Coding" panose="020B0609020101020101" pitchFamily="49" charset="-127"/>
-                <a:ea typeface="D2Coding" panose="020B0609020101020101" pitchFamily="49" charset="-127"/>
-              </a:rPr>
-              <a:t>  } </a:t>
-            </a:r>
-          </a:p>
-          <a:p>
-            <a:pPr algn="just">
-              <a:lnSpc>
-                <a:spcPct val="150000"/>
-              </a:lnSpc>
-            </a:pPr>
-            <a:r>
-              <a:rPr lang="en-US" altLang="ko-KR" sz="1600" b="0" i="0" u="none" strike="noStrike" baseline="0" dirty="0">
-                <a:solidFill>
-                  <a:srgbClr val="211D1E"/>
-                </a:solidFill>
-                <a:latin typeface="D2Coding" panose="020B0609020101020101" pitchFamily="49" charset="-127"/>
-                <a:ea typeface="D2Coding" panose="020B0609020101020101" pitchFamily="49" charset="-127"/>
-              </a:rPr>
-              <a:t>  table, td, </a:t>
-            </a:r>
-            <a:r>
-              <a:rPr lang="en-US" altLang="ko-KR" sz="1600" b="0" i="0" u="none" strike="noStrike" baseline="0" dirty="0" err="1">
-                <a:solidFill>
-                  <a:srgbClr val="211D1E"/>
-                </a:solidFill>
-                <a:latin typeface="D2Coding" panose="020B0609020101020101" pitchFamily="49" charset="-127"/>
-                <a:ea typeface="D2Coding" panose="020B0609020101020101" pitchFamily="49" charset="-127"/>
-              </a:rPr>
-              <a:t>th</a:t>
-            </a:r>
-            <a:r>
-              <a:rPr lang="en-US" altLang="ko-KR" sz="1600" b="0" i="0" u="none" strike="noStrike" baseline="0" dirty="0">
-                <a:solidFill>
-                  <a:srgbClr val="211D1E"/>
-                </a:solidFill>
-                <a:latin typeface="D2Coding" panose="020B0609020101020101" pitchFamily="49" charset="-127"/>
-                <a:ea typeface="D2Coding" panose="020B0609020101020101" pitchFamily="49" charset="-127"/>
-              </a:rPr>
-              <a:t> { </a:t>
-            </a:r>
-          </a:p>
-          <a:p>
-            <a:pPr algn="just">
-              <a:lnSpc>
-                <a:spcPct val="150000"/>
-              </a:lnSpc>
-            </a:pPr>
-            <a:r>
-              <a:rPr lang="en-US" altLang="ko-KR" sz="1600" b="0" i="0" u="none" strike="noStrike" baseline="0" dirty="0">
-                <a:solidFill>
-                  <a:srgbClr val="211D1E"/>
-                </a:solidFill>
-                <a:latin typeface="D2Coding" panose="020B0609020101020101" pitchFamily="49" charset="-127"/>
-                <a:ea typeface="D2Coding" panose="020B0609020101020101" pitchFamily="49" charset="-127"/>
-              </a:rPr>
-              <a:t>    border:1px solid #ccc; </a:t>
-            </a:r>
-          </a:p>
-          <a:p>
-            <a:pPr algn="just">
-              <a:lnSpc>
-                <a:spcPct val="150000"/>
-              </a:lnSpc>
-            </a:pPr>
-            <a:r>
-              <a:rPr lang="en-US" altLang="ko-KR" sz="1600" b="0" i="0" u="none" strike="noStrike" baseline="0" dirty="0">
-                <a:solidFill>
-                  <a:srgbClr val="211D1E"/>
-                </a:solidFill>
-                <a:latin typeface="D2Coding" panose="020B0609020101020101" pitchFamily="49" charset="-127"/>
-                <a:ea typeface="D2Coding" panose="020B0609020101020101" pitchFamily="49" charset="-127"/>
-              </a:rPr>
-              <a:t>    </a:t>
-            </a:r>
-            <a:r>
-              <a:rPr lang="en-US" altLang="ko-KR" sz="1600" b="0" i="0" u="none" strike="noStrike" baseline="0" dirty="0" err="1">
-                <a:solidFill>
-                  <a:srgbClr val="211D1E"/>
-                </a:solidFill>
-                <a:latin typeface="D2Coding" panose="020B0609020101020101" pitchFamily="49" charset="-127"/>
-                <a:ea typeface="D2Coding" panose="020B0609020101020101" pitchFamily="49" charset="-127"/>
-              </a:rPr>
-              <a:t>border-collapse:collapse</a:t>
-            </a:r>
-            <a:r>
-              <a:rPr lang="en-US" altLang="ko-KR" sz="1600" b="0" i="0" u="none" strike="noStrike" baseline="0" dirty="0">
-                <a:solidFill>
-                  <a:srgbClr val="211D1E"/>
-                </a:solidFill>
-                <a:latin typeface="D2Coding" panose="020B0609020101020101" pitchFamily="49" charset="-127"/>
-                <a:ea typeface="D2Coding" panose="020B0609020101020101" pitchFamily="49" charset="-127"/>
-              </a:rPr>
-              <a:t>; </a:t>
-            </a:r>
-          </a:p>
-          <a:p>
-            <a:pPr algn="just">
-              <a:lnSpc>
-                <a:spcPct val="150000"/>
-              </a:lnSpc>
-            </a:pPr>
-            <a:r>
-              <a:rPr lang="en-US" altLang="ko-KR" sz="1600" b="0" i="0" u="none" strike="noStrike" baseline="0" dirty="0">
-                <a:solidFill>
-                  <a:srgbClr val="211D1E"/>
-                </a:solidFill>
-                <a:latin typeface="D2Coding" panose="020B0609020101020101" pitchFamily="49" charset="-127"/>
-                <a:ea typeface="D2Coding" panose="020B0609020101020101" pitchFamily="49" charset="-127"/>
-              </a:rPr>
-              <a:t>  } </a:t>
-            </a:r>
-          </a:p>
-        </p:txBody>
-      </p:sp>
-      <p:sp>
-        <p:nvSpPr>
-          <p:cNvPr id="5" name="TextBox 4">
-            <a:extLst>
-              <a:ext uri="{FF2B5EF4-FFF2-40B4-BE49-F238E27FC236}">
-                <a16:creationId xmlns:a16="http://schemas.microsoft.com/office/drawing/2014/main" id="{8D341268-4919-126F-08AB-A4D39DDD5626}"/>
-              </a:ext>
-            </a:extLst>
-          </p:cNvPr>
-          <p:cNvSpPr txBox="1"/>
-          <p:nvPr/>
-        </p:nvSpPr>
-        <p:spPr>
-          <a:xfrm>
-            <a:off x="5525589" y="2782112"/>
-            <a:ext cx="3544389" cy="2062103"/>
-          </a:xfrm>
-          <a:prstGeom prst="rect">
-            <a:avLst/>
-          </a:prstGeom>
-          <a:noFill/>
-          <a:ln>
-            <a:solidFill>
-              <a:schemeClr val="bg1">
-                <a:lumMod val="50000"/>
-              </a:schemeClr>
-            </a:solidFill>
-          </a:ln>
-        </p:spPr>
-        <p:txBody>
-          <a:bodyPr wrap="square">
-            <a:spAutoFit/>
-          </a:bodyPr>
-          <a:lstStyle/>
-          <a:p>
-            <a:pPr algn="just"/>
-            <a:r>
-              <a:rPr lang="en-US" altLang="ko-KR" sz="1600" b="0" i="0" u="none" strike="noStrike" baseline="0" dirty="0">
-                <a:solidFill>
-                  <a:srgbClr val="211D1E"/>
-                </a:solidFill>
-                <a:latin typeface="D2Coding" panose="020B0609020101020101" pitchFamily="49" charset="-127"/>
-                <a:ea typeface="D2Coding" panose="020B0609020101020101" pitchFamily="49" charset="-127"/>
-              </a:rPr>
-              <a:t> </a:t>
-            </a:r>
-            <a:r>
-              <a:rPr lang="en-US" altLang="ko-KR" sz="1600" b="0" i="0" u="none" strike="noStrike" baseline="0" dirty="0" err="1">
-                <a:solidFill>
-                  <a:srgbClr val="211D1E"/>
-                </a:solidFill>
-                <a:latin typeface="D2Coding" panose="020B0609020101020101" pitchFamily="49" charset="-127"/>
-                <a:ea typeface="D2Coding" panose="020B0609020101020101" pitchFamily="49" charset="-127"/>
-              </a:rPr>
-              <a:t>th</a:t>
-            </a:r>
-            <a:r>
-              <a:rPr lang="en-US" altLang="ko-KR" sz="1600" b="0" i="0" u="none" strike="noStrike" baseline="0" dirty="0">
-                <a:solidFill>
-                  <a:srgbClr val="211D1E"/>
-                </a:solidFill>
-                <a:latin typeface="D2Coding" panose="020B0609020101020101" pitchFamily="49" charset="-127"/>
-                <a:ea typeface="D2Coding" panose="020B0609020101020101" pitchFamily="49" charset="-127"/>
-              </a:rPr>
-              <a:t> { </a:t>
-            </a:r>
-          </a:p>
-          <a:p>
-            <a:pPr algn="just"/>
-            <a:r>
-              <a:rPr lang="en-US" altLang="ko-KR" sz="1600" b="0" i="0" u="none" strike="noStrike" baseline="0" dirty="0">
-                <a:solidFill>
-                  <a:srgbClr val="211D1E"/>
-                </a:solidFill>
-                <a:latin typeface="D2Coding" panose="020B0609020101020101" pitchFamily="49" charset="-127"/>
-                <a:ea typeface="D2Coding" panose="020B0609020101020101" pitchFamily="49" charset="-127"/>
-              </a:rPr>
-              <a:t>    width:80px; </a:t>
-            </a:r>
-          </a:p>
-          <a:p>
-            <a:pPr algn="just"/>
-            <a:r>
-              <a:rPr lang="en-US" altLang="ko-KR" sz="1600" b="0" i="0" u="none" strike="noStrike" baseline="0" dirty="0">
-                <a:solidFill>
-                  <a:srgbClr val="211D1E"/>
-                </a:solidFill>
-                <a:latin typeface="D2Coding" panose="020B0609020101020101" pitchFamily="49" charset="-127"/>
-                <a:ea typeface="D2Coding" panose="020B0609020101020101" pitchFamily="49" charset="-127"/>
-              </a:rPr>
-              <a:t>  } </a:t>
-            </a:r>
-          </a:p>
-          <a:p>
-            <a:pPr algn="just"/>
-            <a:r>
-              <a:rPr lang="en-US" altLang="ko-KR" sz="1600" b="0" i="0" u="none" strike="noStrike" baseline="0" dirty="0">
-                <a:solidFill>
-                  <a:srgbClr val="211D1E"/>
-                </a:solidFill>
-                <a:latin typeface="D2Coding" panose="020B0609020101020101" pitchFamily="49" charset="-127"/>
-                <a:ea typeface="D2Coding" panose="020B0609020101020101" pitchFamily="49" charset="-127"/>
-              </a:rPr>
-              <a:t>  td { </a:t>
-            </a:r>
-          </a:p>
-          <a:p>
-            <a:pPr algn="just"/>
-            <a:r>
-              <a:rPr lang="en-US" altLang="ko-KR" sz="1600" b="0" i="0" u="none" strike="noStrike" baseline="0" dirty="0">
-                <a:solidFill>
-                  <a:srgbClr val="211D1E"/>
-                </a:solidFill>
-                <a:latin typeface="D2Coding" panose="020B0609020101020101" pitchFamily="49" charset="-127"/>
-                <a:ea typeface="D2Coding" panose="020B0609020101020101" pitchFamily="49" charset="-127"/>
-              </a:rPr>
-              <a:t>    width:210px; </a:t>
-            </a:r>
-          </a:p>
-          <a:p>
-            <a:pPr algn="just"/>
-            <a:r>
-              <a:rPr lang="en-US" altLang="ko-KR" sz="1600" b="0" i="0" u="none" strike="noStrike" baseline="0" dirty="0">
-                <a:solidFill>
-                  <a:srgbClr val="211D1E"/>
-                </a:solidFill>
-                <a:latin typeface="D2Coding" panose="020B0609020101020101" pitchFamily="49" charset="-127"/>
-                <a:ea typeface="D2Coding" panose="020B0609020101020101" pitchFamily="49" charset="-127"/>
-              </a:rPr>
-              <a:t>    padding:10px 20px; </a:t>
-            </a:r>
-          </a:p>
-          <a:p>
-            <a:pPr algn="just"/>
-            <a:r>
-              <a:rPr lang="en-US" altLang="ko-KR" sz="1600" b="0" i="0" u="none" strike="noStrike" baseline="0" dirty="0">
-                <a:solidFill>
-                  <a:srgbClr val="211D1E"/>
-                </a:solidFill>
-                <a:latin typeface="D2Coding" panose="020B0609020101020101" pitchFamily="49" charset="-127"/>
-                <a:ea typeface="D2Coding" panose="020B0609020101020101" pitchFamily="49" charset="-127"/>
-              </a:rPr>
-              <a:t>  } </a:t>
-            </a:r>
-          </a:p>
-          <a:p>
-            <a:pPr algn="just"/>
-            <a:r>
-              <a:rPr lang="en-US" altLang="ko-KR" sz="1600" b="0" i="0" u="none" strike="noStrike" baseline="0" dirty="0">
-                <a:solidFill>
-                  <a:srgbClr val="211D1E"/>
-                </a:solidFill>
-                <a:latin typeface="D2Coding" panose="020B0609020101020101" pitchFamily="49" charset="-127"/>
-                <a:ea typeface="D2Coding" panose="020B0609020101020101" pitchFamily="49" charset="-127"/>
-              </a:rPr>
-              <a:t>&lt;/style&gt;</a:t>
-            </a:r>
-            <a:endParaRPr lang="ko-KR" altLang="en-US" sz="1600" dirty="0"/>
-          </a:p>
-        </p:txBody>
-      </p:sp>
-    </p:spTree>
-    <p:extLst>
-      <p:ext uri="{BB962C8B-B14F-4D97-AF65-F5344CB8AC3E}">
-        <p14:creationId xmlns:p14="http://schemas.microsoft.com/office/powerpoint/2010/main" val="891091485"/>
-      </p:ext>
-    </p:extLst>
-  </p:cSld>
-  <p:clrMapOvr>
-    <a:masterClrMapping/>
-  </p:clrMapOvr>
-</p:sld>
-</file>
-
 <file path=ppt/slides/slide2.xml><?xml version="1.0" encoding="utf-8"?>
 <p:sld xmlns:a="http://schemas.openxmlformats.org/drawingml/2006/main" xmlns:r="http://schemas.openxmlformats.org/officeDocument/2006/relationships" xmlns:p="http://schemas.openxmlformats.org/presentationml/2006/main">
   <p:cSld>
